--- a/Lectures/15-ml-in-practice-and-model-selection-part-3.pptx
+++ b/Lectures/15-ml-in-practice-and-model-selection-part-3.pptx
@@ -6,7 +6,7 @@
     <p:sldMasterId id="2147483672" r:id="rId2"/>
   </p:sldMasterIdLst>
   <p:notesMasterIdLst>
-    <p:notesMasterId r:id="rId60"/>
+    <p:notesMasterId r:id="rId59"/>
   </p:notesMasterIdLst>
   <p:sldIdLst>
     <p:sldId id="256" r:id="rId3"/>
@@ -42,30 +42,29 @@
     <p:sldId id="524" r:id="rId33"/>
     <p:sldId id="523" r:id="rId34"/>
     <p:sldId id="487" r:id="rId35"/>
-    <p:sldId id="485" r:id="rId36"/>
-    <p:sldId id="496" r:id="rId37"/>
-    <p:sldId id="514" r:id="rId38"/>
-    <p:sldId id="517" r:id="rId39"/>
-    <p:sldId id="473" r:id="rId40"/>
-    <p:sldId id="479" r:id="rId41"/>
-    <p:sldId id="481" r:id="rId42"/>
-    <p:sldId id="480" r:id="rId43"/>
-    <p:sldId id="482" r:id="rId44"/>
-    <p:sldId id="501" r:id="rId45"/>
-    <p:sldId id="263" r:id="rId46"/>
-    <p:sldId id="296" r:id="rId47"/>
-    <p:sldId id="260" r:id="rId48"/>
-    <p:sldId id="502" r:id="rId49"/>
-    <p:sldId id="431" r:id="rId50"/>
-    <p:sldId id="309" r:id="rId51"/>
-    <p:sldId id="325" r:id="rId52"/>
-    <p:sldId id="457" r:id="rId53"/>
-    <p:sldId id="428" r:id="rId54"/>
-    <p:sldId id="297" r:id="rId55"/>
-    <p:sldId id="503" r:id="rId56"/>
-    <p:sldId id="454" r:id="rId57"/>
-    <p:sldId id="472" r:id="rId58"/>
-    <p:sldId id="525" r:id="rId59"/>
+    <p:sldId id="496" r:id="rId36"/>
+    <p:sldId id="514" r:id="rId37"/>
+    <p:sldId id="517" r:id="rId38"/>
+    <p:sldId id="473" r:id="rId39"/>
+    <p:sldId id="479" r:id="rId40"/>
+    <p:sldId id="481" r:id="rId41"/>
+    <p:sldId id="480" r:id="rId42"/>
+    <p:sldId id="482" r:id="rId43"/>
+    <p:sldId id="501" r:id="rId44"/>
+    <p:sldId id="263" r:id="rId45"/>
+    <p:sldId id="296" r:id="rId46"/>
+    <p:sldId id="260" r:id="rId47"/>
+    <p:sldId id="502" r:id="rId48"/>
+    <p:sldId id="431" r:id="rId49"/>
+    <p:sldId id="309" r:id="rId50"/>
+    <p:sldId id="325" r:id="rId51"/>
+    <p:sldId id="457" r:id="rId52"/>
+    <p:sldId id="428" r:id="rId53"/>
+    <p:sldId id="297" r:id="rId54"/>
+    <p:sldId id="503" r:id="rId55"/>
+    <p:sldId id="454" r:id="rId56"/>
+    <p:sldId id="472" r:id="rId57"/>
+    <p:sldId id="525" r:id="rId58"/>
   </p:sldIdLst>
   <p:sldSz cx="12192000" cy="6858000"/>
   <p:notesSz cx="6858000" cy="9144000"/>
@@ -7957,7 +7956,7 @@
     </p:spTree>
     <p:extLst>
       <p:ext uri="{BB962C8B-B14F-4D97-AF65-F5344CB8AC3E}">
-        <p14:creationId xmlns:p14="http://schemas.microsoft.com/office/powerpoint/2010/main" val="1836285091"/>
+        <p14:creationId xmlns:p14="http://schemas.microsoft.com/office/powerpoint/2010/main" val="3342926653"/>
       </p:ext>
     </p:extLst>
   </p:cSld>
@@ -7968,119 +7967,6 @@
 </file>
 
 <file path=ppt/notesSlides/notesSlide21.xml><?xml version="1.0" encoding="utf-8"?>
-<p:notes xmlns:a="http://schemas.openxmlformats.org/drawingml/2006/main" xmlns:r="http://schemas.openxmlformats.org/officeDocument/2006/relationships" xmlns:p="http://schemas.openxmlformats.org/presentationml/2006/main" showMasterSp="0" showMasterPhAnim="0">
-  <p:cSld>
-    <p:spTree>
-      <p:nvGrpSpPr>
-        <p:cNvPr id="1" name="Shape 445"/>
-        <p:cNvGrpSpPr/>
-        <p:nvPr/>
-      </p:nvGrpSpPr>
-      <p:grpSpPr>
-        <a:xfrm>
-          <a:off x="0" y="0"/>
-          <a:ext cx="0" cy="0"/>
-          <a:chOff x="0" y="0"/>
-          <a:chExt cx="0" cy="0"/>
-        </a:xfrm>
-      </p:grpSpPr>
-      <p:sp>
-        <p:nvSpPr>
-          <p:cNvPr id="446" name="Google Shape;446;g6cb360dd4a_1_188:notes"/>
-          <p:cNvSpPr>
-            <a:spLocks noGrp="1" noRot="1" noChangeAspect="1"/>
-          </p:cNvSpPr>
-          <p:nvPr>
-            <p:ph type="sldImg" idx="2"/>
-          </p:nvPr>
-        </p:nvSpPr>
-        <p:spPr>
-          <a:xfrm>
-            <a:off x="381000" y="685800"/>
-            <a:ext cx="6096000" cy="3429000"/>
-          </a:xfrm>
-          <a:custGeom>
-            <a:avLst/>
-            <a:gdLst/>
-            <a:ahLst/>
-            <a:cxnLst/>
-            <a:rect l="l" t="t" r="r" b="b"/>
-            <a:pathLst>
-              <a:path w="120000" h="120000" extrusionOk="0">
-                <a:moveTo>
-                  <a:pt x="0" y="0"/>
-                </a:moveTo>
-                <a:lnTo>
-                  <a:pt x="120000" y="0"/>
-                </a:lnTo>
-                <a:lnTo>
-                  <a:pt x="120000" y="120000"/>
-                </a:lnTo>
-                <a:lnTo>
-                  <a:pt x="0" y="120000"/>
-                </a:lnTo>
-                <a:close/>
-              </a:path>
-            </a:pathLst>
-          </a:custGeom>
-        </p:spPr>
-      </p:sp>
-      <p:sp>
-        <p:nvSpPr>
-          <p:cNvPr id="447" name="Google Shape;447;g6cb360dd4a_1_188:notes"/>
-          <p:cNvSpPr txBox="1">
-            <a:spLocks noGrp="1"/>
-          </p:cNvSpPr>
-          <p:nvPr>
-            <p:ph type="body" idx="1"/>
-          </p:nvPr>
-        </p:nvSpPr>
-        <p:spPr>
-          <a:xfrm>
-            <a:off x="685800" y="4343400"/>
-            <a:ext cx="5486400" cy="4114800"/>
-          </a:xfrm>
-          <a:prstGeom prst="rect">
-            <a:avLst/>
-          </a:prstGeom>
-        </p:spPr>
-        <p:txBody>
-          <a:bodyPr spcFirstLastPara="1" wrap="square" lIns="91425" tIns="91425" rIns="91425" bIns="91425" anchor="t" anchorCtr="0">
-            <a:noAutofit/>
-          </a:bodyPr>
-          <a:lstStyle/>
-          <a:p>
-            <a:pPr marL="0" lvl="0" indent="0" algn="l" rtl="0">
-              <a:spcBef>
-                <a:spcPts val="0"/>
-              </a:spcBef>
-              <a:spcAft>
-                <a:spcPts val="0"/>
-              </a:spcAft>
-              <a:buNone/>
-            </a:pPr>
-            <a:r>
-              <a:rPr lang="en"/>
-              <a:t>Jane</a:t>
-            </a:r>
-            <a:endParaRPr/>
-          </a:p>
-        </p:txBody>
-      </p:sp>
-    </p:spTree>
-    <p:extLst>
-      <p:ext uri="{BB962C8B-B14F-4D97-AF65-F5344CB8AC3E}">
-        <p14:creationId xmlns:p14="http://schemas.microsoft.com/office/powerpoint/2010/main" val="3342926653"/>
-      </p:ext>
-    </p:extLst>
-  </p:cSld>
-  <p:clrMapOvr>
-    <a:masterClrMapping/>
-  </p:clrMapOvr>
-</p:notes>
-</file>
-
-<file path=ppt/notesSlides/notesSlide22.xml><?xml version="1.0" encoding="utf-8"?>
 <p:notes xmlns:a="http://schemas.openxmlformats.org/drawingml/2006/main" xmlns:r="http://schemas.openxmlformats.org/officeDocument/2006/relationships" xmlns:p="http://schemas.openxmlformats.org/presentationml/2006/main" showMasterSp="0" showMasterPhAnim="0">
   <p:cSld>
     <p:spTree>
@@ -8184,6 +8070,134 @@
     <p:extLst>
       <p:ext uri="{BB962C8B-B14F-4D97-AF65-F5344CB8AC3E}">
         <p14:creationId xmlns:p14="http://schemas.microsoft.com/office/powerpoint/2010/main" val="2314003094"/>
+      </p:ext>
+    </p:extLst>
+  </p:cSld>
+  <p:clrMapOvr>
+    <a:masterClrMapping/>
+  </p:clrMapOvr>
+</p:notes>
+</file>
+
+<file path=ppt/notesSlides/notesSlide22.xml><?xml version="1.0" encoding="utf-8"?>
+<p:notes xmlns:a="http://schemas.openxmlformats.org/drawingml/2006/main" xmlns:r="http://schemas.openxmlformats.org/officeDocument/2006/relationships" xmlns:p="http://schemas.openxmlformats.org/presentationml/2006/main" showMasterSp="0" showMasterPhAnim="0">
+  <p:cSld>
+    <p:spTree>
+      <p:nvGrpSpPr>
+        <p:cNvPr id="1" name="Shape 90"/>
+        <p:cNvGrpSpPr/>
+        <p:nvPr/>
+      </p:nvGrpSpPr>
+      <p:grpSpPr>
+        <a:xfrm>
+          <a:off x="0" y="0"/>
+          <a:ext cx="0" cy="0"/>
+          <a:chOff x="0" y="0"/>
+          <a:chExt cx="0" cy="0"/>
+        </a:xfrm>
+      </p:grpSpPr>
+      <p:sp>
+        <p:nvSpPr>
+          <p:cNvPr id="91" name="Google Shape;91;p5:notes"/>
+          <p:cNvSpPr>
+            <a:spLocks noGrp="1" noRot="1" noChangeAspect="1"/>
+          </p:cNvSpPr>
+          <p:nvPr>
+            <p:ph type="sldImg" idx="2"/>
+          </p:nvPr>
+        </p:nvSpPr>
+        <p:spPr>
+          <a:xfrm>
+            <a:off x="381000" y="685800"/>
+            <a:ext cx="6096000" cy="3429000"/>
+          </a:xfrm>
+          <a:custGeom>
+            <a:avLst/>
+            <a:gdLst/>
+            <a:ahLst/>
+            <a:cxnLst/>
+            <a:rect l="l" t="t" r="r" b="b"/>
+            <a:pathLst>
+              <a:path w="120000" h="120000" extrusionOk="0">
+                <a:moveTo>
+                  <a:pt x="0" y="0"/>
+                </a:moveTo>
+                <a:lnTo>
+                  <a:pt x="120000" y="0"/>
+                </a:lnTo>
+                <a:lnTo>
+                  <a:pt x="120000" y="120000"/>
+                </a:lnTo>
+                <a:lnTo>
+                  <a:pt x="0" y="120000"/>
+                </a:lnTo>
+                <a:close/>
+              </a:path>
+            </a:pathLst>
+          </a:custGeom>
+          <a:noFill/>
+          <a:ln w="12700" cap="flat" cmpd="sng">
+            <a:solidFill>
+              <a:srgbClr val="000000"/>
+            </a:solidFill>
+            <a:prstDash val="solid"/>
+            <a:round/>
+            <a:headEnd type="none" w="sm" len="sm"/>
+            <a:tailEnd type="none" w="sm" len="sm"/>
+          </a:ln>
+        </p:spPr>
+      </p:sp>
+      <p:sp>
+        <p:nvSpPr>
+          <p:cNvPr id="92" name="Google Shape;92;p5:notes"/>
+          <p:cNvSpPr txBox="1">
+            <a:spLocks noGrp="1"/>
+          </p:cNvSpPr>
+          <p:nvPr>
+            <p:ph type="body" idx="1"/>
+          </p:nvPr>
+        </p:nvSpPr>
+        <p:spPr>
+          <a:xfrm>
+            <a:off x="685800" y="4343400"/>
+            <a:ext cx="5486400" cy="4114800"/>
+          </a:xfrm>
+          <a:prstGeom prst="rect">
+            <a:avLst/>
+          </a:prstGeom>
+          <a:noFill/>
+          <a:ln>
+            <a:noFill/>
+          </a:ln>
+        </p:spPr>
+        <p:txBody>
+          <a:bodyPr spcFirstLastPara="1" wrap="square" lIns="91425" tIns="91425" rIns="91425" bIns="91425" anchor="t" anchorCtr="0">
+            <a:noAutofit/>
+          </a:bodyPr>
+          <a:lstStyle/>
+          <a:p>
+            <a:pPr marL="0" lvl="0" indent="0" algn="l" rtl="0">
+              <a:spcBef>
+                <a:spcPts val="0"/>
+              </a:spcBef>
+              <a:spcAft>
+                <a:spcPts val="0"/>
+              </a:spcAft>
+              <a:buClr>
+                <a:schemeClr val="dk1"/>
+              </a:buClr>
+              <a:buSzPts val="1200"/>
+              <a:buFont typeface="Calibri"/>
+              <a:buNone/>
+            </a:pPr>
+            <a:endParaRPr/>
+          </a:p>
+        </p:txBody>
+      </p:sp>
+    </p:spTree>
+    <p:extLst>
+      <p:ext uri="{BB962C8B-B14F-4D97-AF65-F5344CB8AC3E}">
+        <p14:creationId xmlns:p14="http://schemas.microsoft.com/office/powerpoint/2010/main" val="2515999077"/>
       </p:ext>
     </p:extLst>
   </p:cSld>
@@ -8311,7 +8325,7 @@
     </p:spTree>
     <p:extLst>
       <p:ext uri="{BB962C8B-B14F-4D97-AF65-F5344CB8AC3E}">
-        <p14:creationId xmlns:p14="http://schemas.microsoft.com/office/powerpoint/2010/main" val="2515999077"/>
+        <p14:creationId xmlns:p14="http://schemas.microsoft.com/office/powerpoint/2010/main" val="2543831433"/>
       </p:ext>
     </p:extLst>
   </p:cSld>
@@ -8322,134 +8336,6 @@
 </file>
 
 <file path=ppt/notesSlides/notesSlide24.xml><?xml version="1.0" encoding="utf-8"?>
-<p:notes xmlns:a="http://schemas.openxmlformats.org/drawingml/2006/main" xmlns:r="http://schemas.openxmlformats.org/officeDocument/2006/relationships" xmlns:p="http://schemas.openxmlformats.org/presentationml/2006/main" showMasterSp="0" showMasterPhAnim="0">
-  <p:cSld>
-    <p:spTree>
-      <p:nvGrpSpPr>
-        <p:cNvPr id="1" name="Shape 90"/>
-        <p:cNvGrpSpPr/>
-        <p:nvPr/>
-      </p:nvGrpSpPr>
-      <p:grpSpPr>
-        <a:xfrm>
-          <a:off x="0" y="0"/>
-          <a:ext cx="0" cy="0"/>
-          <a:chOff x="0" y="0"/>
-          <a:chExt cx="0" cy="0"/>
-        </a:xfrm>
-      </p:grpSpPr>
-      <p:sp>
-        <p:nvSpPr>
-          <p:cNvPr id="91" name="Google Shape;91;p5:notes"/>
-          <p:cNvSpPr>
-            <a:spLocks noGrp="1" noRot="1" noChangeAspect="1"/>
-          </p:cNvSpPr>
-          <p:nvPr>
-            <p:ph type="sldImg" idx="2"/>
-          </p:nvPr>
-        </p:nvSpPr>
-        <p:spPr>
-          <a:xfrm>
-            <a:off x="381000" y="685800"/>
-            <a:ext cx="6096000" cy="3429000"/>
-          </a:xfrm>
-          <a:custGeom>
-            <a:avLst/>
-            <a:gdLst/>
-            <a:ahLst/>
-            <a:cxnLst/>
-            <a:rect l="l" t="t" r="r" b="b"/>
-            <a:pathLst>
-              <a:path w="120000" h="120000" extrusionOk="0">
-                <a:moveTo>
-                  <a:pt x="0" y="0"/>
-                </a:moveTo>
-                <a:lnTo>
-                  <a:pt x="120000" y="0"/>
-                </a:lnTo>
-                <a:lnTo>
-                  <a:pt x="120000" y="120000"/>
-                </a:lnTo>
-                <a:lnTo>
-                  <a:pt x="0" y="120000"/>
-                </a:lnTo>
-                <a:close/>
-              </a:path>
-            </a:pathLst>
-          </a:custGeom>
-          <a:noFill/>
-          <a:ln w="12700" cap="flat" cmpd="sng">
-            <a:solidFill>
-              <a:srgbClr val="000000"/>
-            </a:solidFill>
-            <a:prstDash val="solid"/>
-            <a:round/>
-            <a:headEnd type="none" w="sm" len="sm"/>
-            <a:tailEnd type="none" w="sm" len="sm"/>
-          </a:ln>
-        </p:spPr>
-      </p:sp>
-      <p:sp>
-        <p:nvSpPr>
-          <p:cNvPr id="92" name="Google Shape;92;p5:notes"/>
-          <p:cNvSpPr txBox="1">
-            <a:spLocks noGrp="1"/>
-          </p:cNvSpPr>
-          <p:nvPr>
-            <p:ph type="body" idx="1"/>
-          </p:nvPr>
-        </p:nvSpPr>
-        <p:spPr>
-          <a:xfrm>
-            <a:off x="685800" y="4343400"/>
-            <a:ext cx="5486400" cy="4114800"/>
-          </a:xfrm>
-          <a:prstGeom prst="rect">
-            <a:avLst/>
-          </a:prstGeom>
-          <a:noFill/>
-          <a:ln>
-            <a:noFill/>
-          </a:ln>
-        </p:spPr>
-        <p:txBody>
-          <a:bodyPr spcFirstLastPara="1" wrap="square" lIns="91425" tIns="91425" rIns="91425" bIns="91425" anchor="t" anchorCtr="0">
-            <a:noAutofit/>
-          </a:bodyPr>
-          <a:lstStyle/>
-          <a:p>
-            <a:pPr marL="0" lvl="0" indent="0" algn="l" rtl="0">
-              <a:spcBef>
-                <a:spcPts val="0"/>
-              </a:spcBef>
-              <a:spcAft>
-                <a:spcPts val="0"/>
-              </a:spcAft>
-              <a:buClr>
-                <a:schemeClr val="dk1"/>
-              </a:buClr>
-              <a:buSzPts val="1200"/>
-              <a:buFont typeface="Calibri"/>
-              <a:buNone/>
-            </a:pPr>
-            <a:endParaRPr/>
-          </a:p>
-        </p:txBody>
-      </p:sp>
-    </p:spTree>
-    <p:extLst>
-      <p:ext uri="{BB962C8B-B14F-4D97-AF65-F5344CB8AC3E}">
-        <p14:creationId xmlns:p14="http://schemas.microsoft.com/office/powerpoint/2010/main" val="2543831433"/>
-      </p:ext>
-    </p:extLst>
-  </p:cSld>
-  <p:clrMapOvr>
-    <a:masterClrMapping/>
-  </p:clrMapOvr>
-</p:notes>
-</file>
-
-<file path=ppt/notesSlides/notesSlide25.xml><?xml version="1.0" encoding="utf-8"?>
 <p:notes xmlns:a="http://schemas.openxmlformats.org/drawingml/2006/main" xmlns:r="http://schemas.openxmlformats.org/officeDocument/2006/relationships" xmlns:p="http://schemas.openxmlformats.org/presentationml/2006/main">
   <p:cSld>
     <p:spTree>
@@ -8514,7 +8400,7 @@
           <a:p>
             <a:fld id="{87916DAE-669F-3546-9A68-DB1260F5EB98}" type="slidenum">
               <a:rPr lang="en-US" smtClean="0"/>
-              <a:t>49</a:t>
+              <a:t>48</a:t>
             </a:fld>
             <a:endParaRPr lang="en-US"/>
           </a:p>
@@ -9937,7 +9823,7 @@
           <a:p>
             <a:fld id="{7C0312F8-2DE2-6B40-83C5-731724CAE2B0}" type="datetimeFigureOut">
               <a:rPr lang="en-US" smtClean="0"/>
-              <a:t>11/8/22</a:t>
+              <a:t>11/6/23</a:t>
             </a:fld>
             <a:endParaRPr lang="en-US"/>
           </a:p>
@@ -10356,7 +10242,7 @@
           <a:p>
             <a:fld id="{7C0312F8-2DE2-6B40-83C5-731724CAE2B0}" type="datetimeFigureOut">
               <a:rPr lang="en-US" smtClean="0"/>
-              <a:t>11/8/22</a:t>
+              <a:t>11/6/23</a:t>
             </a:fld>
             <a:endParaRPr lang="en-US"/>
           </a:p>
@@ -10451,7 +10337,7 @@
           <a:p>
             <a:fld id="{7C0312F8-2DE2-6B40-83C5-731724CAE2B0}" type="datetimeFigureOut">
               <a:rPr lang="en-US" smtClean="0"/>
-              <a:t>11/8/22</a:t>
+              <a:t>11/6/23</a:t>
             </a:fld>
             <a:endParaRPr lang="en-US"/>
           </a:p>
@@ -12947,7 +12833,7 @@
           <a:p>
             <a:fld id="{7C0312F8-2DE2-6B40-83C5-731724CAE2B0}" type="datetimeFigureOut">
               <a:rPr lang="en-US" smtClean="0"/>
-              <a:t>11/8/22</a:t>
+              <a:t>11/6/23</a:t>
             </a:fld>
             <a:endParaRPr lang="en-US"/>
           </a:p>
@@ -14425,7 +14311,7 @@
           <a:p>
             <a:fld id="{7C0312F8-2DE2-6B40-83C5-731724CAE2B0}" type="datetimeFigureOut">
               <a:rPr lang="en-US" smtClean="0"/>
-              <a:t>11/8/22</a:t>
+              <a:t>11/6/23</a:t>
             </a:fld>
             <a:endParaRPr lang="en-US"/>
           </a:p>
@@ -14897,14 +14783,14 @@
               <a:buNone/>
             </a:pPr>
             <a:r>
-              <a:rPr lang="en-US" sz="2800">
+              <a:rPr lang="en-US" sz="2800" dirty="0">
                 <a:solidFill>
                   <a:srgbClr val="595959"/>
                 </a:solidFill>
               </a:rPr>
-              <a:t>Rayid Ghani and Kit Rodolfa</a:t>
-            </a:r>
-            <a:endParaRPr sz="2800">
+              <a:t>Rayid Ghani</a:t>
+            </a:r>
+            <a:endParaRPr sz="2800" dirty="0">
               <a:solidFill>
                 <a:srgbClr val="595959"/>
               </a:solidFill>
@@ -17932,12 +17818,6 @@
             </a:r>
           </a:p>
           <a:p>
-            <a:r>
-              <a:rPr lang="en-US" dirty="0"/>
-              <a:t>No session on Thursday</a:t>
-            </a:r>
-          </a:p>
-          <a:p>
             <a:pPr marL="76200" indent="0">
               <a:buNone/>
             </a:pPr>
@@ -17955,7 +17835,7 @@
           <a:p>
             <a:r>
               <a:rPr lang="en-US" dirty="0"/>
-              <a:t>Monday: Update 6 (on Canvas): Updated ML Results</a:t>
+              <a:t>Monday: Update 5 (on Canvas): ML Results</a:t>
             </a:r>
           </a:p>
           <a:p>
@@ -17966,7 +17846,7 @@
           </a:p>
           <a:p>
             <a:r>
-              <a:rPr lang="en-US" dirty="0"/>
+              <a:rPr lang="en-US" b="1" dirty="0"/>
               <a:t>Thursday: Session in GHC 6115</a:t>
             </a:r>
           </a:p>
@@ -21337,7 +21217,7 @@
             <a:pPr lvl="1"/>
             <a:r>
               <a:rPr lang="en-US" dirty="0"/>
-              <a:t>Finalizing your configuration file for more extensive model runs</a:t>
+              <a:t>Modifying your configuration file for more extensive model runs</a:t>
             </a:r>
           </a:p>
           <a:p>
@@ -22743,100 +22623,6 @@
       </p:sp>
       <p:pic>
         <p:nvPicPr>
-          <p:cNvPr id="6" name="Picture 5">
-            <a:extLst>
-              <a:ext uri="{FF2B5EF4-FFF2-40B4-BE49-F238E27FC236}">
-                <a16:creationId xmlns:a16="http://schemas.microsoft.com/office/drawing/2014/main" id="{32C95DA2-D7F5-B749-BD59-C217AF31861D}"/>
-              </a:ext>
-            </a:extLst>
-          </p:cNvPr>
-          <p:cNvPicPr>
-            <a:picLocks noChangeAspect="1"/>
-          </p:cNvPicPr>
-          <p:nvPr/>
-        </p:nvPicPr>
-        <p:blipFill>
-          <a:blip r:embed="rId3"/>
-          <a:stretch>
-            <a:fillRect/>
-          </a:stretch>
-        </p:blipFill>
-        <p:spPr>
-          <a:xfrm>
-            <a:off x="3048000" y="1530928"/>
-            <a:ext cx="6096000" cy="4572000"/>
-          </a:xfrm>
-          <a:prstGeom prst="rect">
-            <a:avLst/>
-          </a:prstGeom>
-        </p:spPr>
-      </p:pic>
-    </p:spTree>
-    <p:extLst>
-      <p:ext uri="{BB962C8B-B14F-4D97-AF65-F5344CB8AC3E}">
-        <p14:creationId xmlns:p14="http://schemas.microsoft.com/office/powerpoint/2010/main" val="2635062933"/>
-      </p:ext>
-    </p:extLst>
-  </p:cSld>
-  <p:clrMapOvr>
-    <a:masterClrMapping/>
-  </p:clrMapOvr>
-</p:sld>
-</file>
-
-<file path=ppt/slides/slide35.xml><?xml version="1.0" encoding="utf-8"?>
-<p:sld xmlns:a="http://schemas.openxmlformats.org/drawingml/2006/main" xmlns:r="http://schemas.openxmlformats.org/officeDocument/2006/relationships" xmlns:p="http://schemas.openxmlformats.org/presentationml/2006/main">
-  <p:cSld>
-    <p:spTree>
-      <p:nvGrpSpPr>
-        <p:cNvPr id="1" name="Shape 448"/>
-        <p:cNvGrpSpPr/>
-        <p:nvPr/>
-      </p:nvGrpSpPr>
-      <p:grpSpPr>
-        <a:xfrm>
-          <a:off x="0" y="0"/>
-          <a:ext cx="0" cy="0"/>
-          <a:chOff x="0" y="0"/>
-          <a:chExt cx="0" cy="0"/>
-        </a:xfrm>
-      </p:grpSpPr>
-      <p:sp>
-        <p:nvSpPr>
-          <p:cNvPr id="449" name="Google Shape;449;p42"/>
-          <p:cNvSpPr txBox="1">
-            <a:spLocks noGrp="1"/>
-          </p:cNvSpPr>
-          <p:nvPr>
-            <p:ph type="title"/>
-          </p:nvPr>
-        </p:nvSpPr>
-        <p:spPr>
-          <a:prstGeom prst="rect">
-            <a:avLst/>
-          </a:prstGeom>
-        </p:spPr>
-        <p:txBody>
-          <a:bodyPr spcFirstLastPara="1" wrap="square" lIns="121900" tIns="60933" rIns="121900" bIns="60933" anchor="ctr" anchorCtr="0">
-            <a:noAutofit/>
-          </a:bodyPr>
-          <a:lstStyle/>
-          <a:p>
-            <a:r>
-              <a:rPr lang="en" dirty="0"/>
-              <a:t>Model Selection</a:t>
-            </a:r>
-            <a:endParaRPr sz="4000" b="1" dirty="0">
-              <a:latin typeface="Roboto"/>
-              <a:ea typeface="Roboto"/>
-              <a:cs typeface="Roboto"/>
-              <a:sym typeface="Roboto"/>
-            </a:endParaRPr>
-          </a:p>
-        </p:txBody>
-      </p:sp>
-      <p:pic>
-        <p:nvPicPr>
           <p:cNvPr id="2" name="Picture 1">
             <a:extLst>
               <a:ext uri="{FF2B5EF4-FFF2-40B4-BE49-F238E27FC236}">
@@ -22946,7 +22732,7 @@
 </p:sld>
 </file>
 
-<file path=ppt/slides/slide36.xml><?xml version="1.0" encoding="utf-8"?>
+<file path=ppt/slides/slide35.xml><?xml version="1.0" encoding="utf-8"?>
 <p:sld xmlns:a="http://schemas.openxmlformats.org/drawingml/2006/main" xmlns:r="http://schemas.openxmlformats.org/officeDocument/2006/relationships" xmlns:p="http://schemas.openxmlformats.org/presentationml/2006/main">
   <p:cSld>
     <p:spTree>
@@ -23094,7 +22880,7 @@
 </p:sld>
 </file>
 
-<file path=ppt/slides/slide37.xml><?xml version="1.0" encoding="utf-8"?>
+<file path=ppt/slides/slide36.xml><?xml version="1.0" encoding="utf-8"?>
 <p:sld xmlns:a="http://schemas.openxmlformats.org/drawingml/2006/main" xmlns:r="http://schemas.openxmlformats.org/officeDocument/2006/relationships" xmlns:p="http://schemas.openxmlformats.org/presentationml/2006/main">
   <p:cSld>
     <p:spTree>
@@ -23312,7 +23098,7 @@
 </p:sld>
 </file>
 
-<file path=ppt/slides/slide38.xml><?xml version="1.0" encoding="utf-8"?>
+<file path=ppt/slides/slide37.xml><?xml version="1.0" encoding="utf-8"?>
 <p:sld xmlns:a="http://schemas.openxmlformats.org/drawingml/2006/main" xmlns:r="http://schemas.openxmlformats.org/officeDocument/2006/relationships" xmlns:p="http://schemas.openxmlformats.org/presentationml/2006/main">
   <p:cSld>
     <p:spTree>
@@ -23424,6 +23210,94 @@
     <p:extLst>
       <p:ext uri="{BB962C8B-B14F-4D97-AF65-F5344CB8AC3E}">
         <p14:creationId xmlns:p14="http://schemas.microsoft.com/office/powerpoint/2010/main" val="136932352"/>
+      </p:ext>
+    </p:extLst>
+  </p:cSld>
+  <p:clrMapOvr>
+    <a:masterClrMapping/>
+  </p:clrMapOvr>
+</p:sld>
+</file>
+
+<file path=ppt/slides/slide38.xml><?xml version="1.0" encoding="utf-8"?>
+<p:sld xmlns:a="http://schemas.openxmlformats.org/drawingml/2006/main" xmlns:r="http://schemas.openxmlformats.org/officeDocument/2006/relationships" xmlns:p="http://schemas.openxmlformats.org/presentationml/2006/main" show="0">
+  <p:cSld>
+    <p:spTree>
+      <p:nvGrpSpPr>
+        <p:cNvPr id="1" name=""/>
+        <p:cNvGrpSpPr/>
+        <p:nvPr/>
+      </p:nvGrpSpPr>
+      <p:grpSpPr>
+        <a:xfrm>
+          <a:off x="0" y="0"/>
+          <a:ext cx="0" cy="0"/>
+          <a:chOff x="0" y="0"/>
+          <a:chExt cx="0" cy="0"/>
+        </a:xfrm>
+      </p:grpSpPr>
+      <p:sp>
+        <p:nvSpPr>
+          <p:cNvPr id="3" name="Title 2">
+            <a:extLst>
+              <a:ext uri="{FF2B5EF4-FFF2-40B4-BE49-F238E27FC236}">
+                <a16:creationId xmlns:a16="http://schemas.microsoft.com/office/drawing/2014/main" id="{9323871C-7CA8-1448-8FFC-1AE6E1838941}"/>
+              </a:ext>
+            </a:extLst>
+          </p:cNvPr>
+          <p:cNvSpPr>
+            <a:spLocks noGrp="1"/>
+          </p:cNvSpPr>
+          <p:nvPr>
+            <p:ph type="title"/>
+          </p:nvPr>
+        </p:nvSpPr>
+        <p:spPr/>
+        <p:txBody>
+          <a:bodyPr/>
+          <a:lstStyle/>
+          <a:p>
+            <a:r>
+              <a:rPr lang="en-US" dirty="0"/>
+              <a:t>Some Open Research Questions</a:t>
+            </a:r>
+          </a:p>
+        </p:txBody>
+      </p:sp>
+      <p:pic>
+        <p:nvPicPr>
+          <p:cNvPr id="6" name="Picture 5">
+            <a:extLst>
+              <a:ext uri="{FF2B5EF4-FFF2-40B4-BE49-F238E27FC236}">
+                <a16:creationId xmlns:a16="http://schemas.microsoft.com/office/drawing/2014/main" id="{4B9B5C17-6333-3542-BF92-961541BDC881}"/>
+              </a:ext>
+            </a:extLst>
+          </p:cNvPr>
+          <p:cNvPicPr>
+            <a:picLocks noChangeAspect="1"/>
+          </p:cNvPicPr>
+          <p:nvPr/>
+        </p:nvPicPr>
+        <p:blipFill>
+          <a:blip r:embed="rId2"/>
+          <a:stretch>
+            <a:fillRect/>
+          </a:stretch>
+        </p:blipFill>
+        <p:spPr>
+          <a:xfrm>
+            <a:off x="1169439" y="1257300"/>
+            <a:ext cx="9853121" cy="5023746"/>
+          </a:xfrm>
+          <a:prstGeom prst="rect">
+            <a:avLst/>
+          </a:prstGeom>
+        </p:spPr>
+      </p:pic>
+    </p:spTree>
+    <p:extLst>
+      <p:ext uri="{BB962C8B-B14F-4D97-AF65-F5344CB8AC3E}">
+        <p14:creationId xmlns:p14="http://schemas.microsoft.com/office/powerpoint/2010/main" val="1478637945"/>
       </p:ext>
     </p:extLst>
   </p:cSld>
@@ -23478,40 +23352,102 @@
           </a:p>
         </p:txBody>
       </p:sp>
-      <p:pic>
-        <p:nvPicPr>
-          <p:cNvPr id="6" name="Picture 5">
+      <p:sp>
+        <p:nvSpPr>
+          <p:cNvPr id="4" name="Text Placeholder 3">
             <a:extLst>
               <a:ext uri="{FF2B5EF4-FFF2-40B4-BE49-F238E27FC236}">
-                <a16:creationId xmlns:a16="http://schemas.microsoft.com/office/drawing/2014/main" id="{4B9B5C17-6333-3542-BF92-961541BDC881}"/>
+                <a16:creationId xmlns:a16="http://schemas.microsoft.com/office/drawing/2014/main" id="{5E600BA7-FA45-884F-9820-9E5F2CB7AA48}"/>
               </a:ext>
             </a:extLst>
           </p:cNvPr>
-          <p:cNvPicPr>
-            <a:picLocks noChangeAspect="1"/>
-          </p:cNvPicPr>
-          <p:nvPr/>
-        </p:nvPicPr>
-        <p:blipFill>
-          <a:blip r:embed="rId2"/>
-          <a:stretch>
-            <a:fillRect/>
-          </a:stretch>
-        </p:blipFill>
-        <p:spPr>
-          <a:xfrm>
-            <a:off x="1169439" y="1257300"/>
-            <a:ext cx="9853121" cy="5023746"/>
-          </a:xfrm>
-          <a:prstGeom prst="rect">
-            <a:avLst/>
-          </a:prstGeom>
-        </p:spPr>
-      </p:pic>
+          <p:cNvSpPr>
+            <a:spLocks noGrp="1"/>
+          </p:cNvSpPr>
+          <p:nvPr>
+            <p:ph type="body" idx="1"/>
+          </p:nvPr>
+        </p:nvSpPr>
+        <p:spPr/>
+        <p:txBody>
+          <a:bodyPr/>
+          <a:lstStyle/>
+          <a:p>
+            <a:r>
+              <a:rPr lang="en-US" dirty="0"/>
+              <a:t>The SVM loss function will find the “best” separating hyperplane overall, but perhaps we could draw a better hyperplane to separate just </a:t>
+            </a:r>
+            <a:r>
+              <a:rPr lang="en-US" i="1" dirty="0"/>
+              <a:t>k</a:t>
+            </a:r>
+            <a:r>
+              <a:rPr lang="en-US" dirty="0"/>
+              <a:t> positive examples?</a:t>
+            </a:r>
+            <a:br>
+              <a:rPr lang="en-US" dirty="0"/>
+            </a:br>
+            <a:endParaRPr lang="en-US" dirty="0"/>
+          </a:p>
+          <a:p>
+            <a:r>
+              <a:rPr lang="en-US" i="1" dirty="0" err="1"/>
+              <a:t>Transductive</a:t>
+            </a:r>
+            <a:r>
+              <a:rPr lang="en-US" dirty="0"/>
+              <a:t> method: needs to be aware of the test set </a:t>
+            </a:r>
+            <a:r>
+              <a:rPr lang="en-US" b="1" dirty="0"/>
+              <a:t>without labels</a:t>
+            </a:r>
+            <a:r>
+              <a:rPr lang="en-US" dirty="0"/>
+              <a:t> to select just </a:t>
+            </a:r>
+            <a:r>
+              <a:rPr lang="en-US" i="1" dirty="0"/>
+              <a:t>k</a:t>
+            </a:r>
+            <a:r>
+              <a:rPr lang="en-US" dirty="0"/>
+              <a:t> test examples.</a:t>
+            </a:r>
+            <a:br>
+              <a:rPr lang="en-US" dirty="0"/>
+            </a:br>
+            <a:endParaRPr lang="en-US" dirty="0"/>
+          </a:p>
+          <a:p>
+            <a:r>
+              <a:rPr lang="en-US" dirty="0"/>
+              <a:t>Modified gradient descent procedure to project gradient direction for L2-regularized SVM loss onto a “feasible solution cone” such that </a:t>
+            </a:r>
+            <a:r>
+              <a:rPr lang="en-US" u="sng" dirty="0"/>
+              <a:t>no more than</a:t>
+            </a:r>
+            <a:r>
+              <a:rPr lang="en-US" dirty="0"/>
+              <a:t> </a:t>
+            </a:r>
+            <a:r>
+              <a:rPr lang="en-US" i="1" dirty="0"/>
+              <a:t>k</a:t>
+            </a:r>
+            <a:r>
+              <a:rPr lang="en-US" dirty="0"/>
+              <a:t> test examples will be predicted positive after the step.</a:t>
+            </a:r>
+          </a:p>
+        </p:txBody>
+      </p:sp>
     </p:spTree>
     <p:extLst>
       <p:ext uri="{BB962C8B-B14F-4D97-AF65-F5344CB8AC3E}">
-        <p14:creationId xmlns:p14="http://schemas.microsoft.com/office/powerpoint/2010/main" val="1478637945"/>
+        <p14:creationId xmlns:p14="http://schemas.microsoft.com/office/powerpoint/2010/main" val="94907443"/>
       </p:ext>
     </p:extLst>
   </p:cSld>
@@ -23695,102 +23631,40 @@
           </a:p>
         </p:txBody>
       </p:sp>
-      <p:sp>
-        <p:nvSpPr>
-          <p:cNvPr id="4" name="Text Placeholder 3">
+      <p:pic>
+        <p:nvPicPr>
+          <p:cNvPr id="2" name="Picture 1">
             <a:extLst>
               <a:ext uri="{FF2B5EF4-FFF2-40B4-BE49-F238E27FC236}">
-                <a16:creationId xmlns:a16="http://schemas.microsoft.com/office/drawing/2014/main" id="{5E600BA7-FA45-884F-9820-9E5F2CB7AA48}"/>
+                <a16:creationId xmlns:a16="http://schemas.microsoft.com/office/drawing/2014/main" id="{23F8960D-806C-F441-9A23-1578C38467D8}"/>
               </a:ext>
             </a:extLst>
           </p:cNvPr>
-          <p:cNvSpPr>
-            <a:spLocks noGrp="1"/>
-          </p:cNvSpPr>
-          <p:nvPr>
-            <p:ph type="body" idx="1"/>
-          </p:nvPr>
-        </p:nvSpPr>
-        <p:spPr/>
-        <p:txBody>
-          <a:bodyPr/>
-          <a:lstStyle/>
-          <a:p>
-            <a:r>
-              <a:rPr lang="en-US" dirty="0"/>
-              <a:t>The SVM loss function will find the “best” separating hyperplane overall, but perhaps we could draw a better hyperplane to separate just </a:t>
-            </a:r>
-            <a:r>
-              <a:rPr lang="en-US" i="1" dirty="0"/>
-              <a:t>k</a:t>
-            </a:r>
-            <a:r>
-              <a:rPr lang="en-US" dirty="0"/>
-              <a:t> positive examples?</a:t>
-            </a:r>
-            <a:br>
-              <a:rPr lang="en-US" dirty="0"/>
-            </a:br>
-            <a:endParaRPr lang="en-US" dirty="0"/>
-          </a:p>
-          <a:p>
-            <a:r>
-              <a:rPr lang="en-US" i="1" dirty="0" err="1"/>
-              <a:t>Transductive</a:t>
-            </a:r>
-            <a:r>
-              <a:rPr lang="en-US" dirty="0"/>
-              <a:t> method: needs to be aware of the test set </a:t>
-            </a:r>
-            <a:r>
-              <a:rPr lang="en-US" b="1" dirty="0"/>
-              <a:t>without labels</a:t>
-            </a:r>
-            <a:r>
-              <a:rPr lang="en-US" dirty="0"/>
-              <a:t> to select just </a:t>
-            </a:r>
-            <a:r>
-              <a:rPr lang="en-US" i="1" dirty="0"/>
-              <a:t>k</a:t>
-            </a:r>
-            <a:r>
-              <a:rPr lang="en-US" dirty="0"/>
-              <a:t> test examples.</a:t>
-            </a:r>
-            <a:br>
-              <a:rPr lang="en-US" dirty="0"/>
-            </a:br>
-            <a:endParaRPr lang="en-US" dirty="0"/>
-          </a:p>
-          <a:p>
-            <a:r>
-              <a:rPr lang="en-US" dirty="0"/>
-              <a:t>Modified gradient descent procedure to project gradient direction for L2-regularized SVM loss onto a “feasible solution cone” such that </a:t>
-            </a:r>
-            <a:r>
-              <a:rPr lang="en-US" u="sng" dirty="0"/>
-              <a:t>no more than</a:t>
-            </a:r>
-            <a:r>
-              <a:rPr lang="en-US" dirty="0"/>
-              <a:t> </a:t>
-            </a:r>
-            <a:r>
-              <a:rPr lang="en-US" i="1" dirty="0"/>
-              <a:t>k</a:t>
-            </a:r>
-            <a:r>
-              <a:rPr lang="en-US" dirty="0"/>
-              <a:t> test examples will be predicted positive after the step.</a:t>
-            </a:r>
-          </a:p>
-        </p:txBody>
-      </p:sp>
+          <p:cNvPicPr>
+            <a:picLocks noChangeAspect="1"/>
+          </p:cNvPicPr>
+          <p:nvPr/>
+        </p:nvPicPr>
+        <p:blipFill>
+          <a:blip r:embed="rId2"/>
+          <a:stretch>
+            <a:fillRect/>
+          </a:stretch>
+        </p:blipFill>
+        <p:spPr>
+          <a:xfrm>
+            <a:off x="2749550" y="1371600"/>
+            <a:ext cx="6692900" cy="4114800"/>
+          </a:xfrm>
+          <a:prstGeom prst="rect">
+            <a:avLst/>
+          </a:prstGeom>
+        </p:spPr>
+      </p:pic>
     </p:spTree>
     <p:extLst>
       <p:ext uri="{BB962C8B-B14F-4D97-AF65-F5344CB8AC3E}">
-        <p14:creationId xmlns:p14="http://schemas.microsoft.com/office/powerpoint/2010/main" val="94907443"/>
+        <p14:creationId xmlns:p14="http://schemas.microsoft.com/office/powerpoint/2010/main" val="1715242992"/>
       </p:ext>
     </p:extLst>
   </p:cSld>
@@ -23845,94 +23719,6 @@
           </a:p>
         </p:txBody>
       </p:sp>
-      <p:pic>
-        <p:nvPicPr>
-          <p:cNvPr id="2" name="Picture 1">
-            <a:extLst>
-              <a:ext uri="{FF2B5EF4-FFF2-40B4-BE49-F238E27FC236}">
-                <a16:creationId xmlns:a16="http://schemas.microsoft.com/office/drawing/2014/main" id="{23F8960D-806C-F441-9A23-1578C38467D8}"/>
-              </a:ext>
-            </a:extLst>
-          </p:cNvPr>
-          <p:cNvPicPr>
-            <a:picLocks noChangeAspect="1"/>
-          </p:cNvPicPr>
-          <p:nvPr/>
-        </p:nvPicPr>
-        <p:blipFill>
-          <a:blip r:embed="rId2"/>
-          <a:stretch>
-            <a:fillRect/>
-          </a:stretch>
-        </p:blipFill>
-        <p:spPr>
-          <a:xfrm>
-            <a:off x="2749550" y="1371600"/>
-            <a:ext cx="6692900" cy="4114800"/>
-          </a:xfrm>
-          <a:prstGeom prst="rect">
-            <a:avLst/>
-          </a:prstGeom>
-        </p:spPr>
-      </p:pic>
-    </p:spTree>
-    <p:extLst>
-      <p:ext uri="{BB962C8B-B14F-4D97-AF65-F5344CB8AC3E}">
-        <p14:creationId xmlns:p14="http://schemas.microsoft.com/office/powerpoint/2010/main" val="1715242992"/>
-      </p:ext>
-    </p:extLst>
-  </p:cSld>
-  <p:clrMapOvr>
-    <a:masterClrMapping/>
-  </p:clrMapOvr>
-</p:sld>
-</file>
-
-<file path=ppt/slides/slide42.xml><?xml version="1.0" encoding="utf-8"?>
-<p:sld xmlns:a="http://schemas.openxmlformats.org/drawingml/2006/main" xmlns:r="http://schemas.openxmlformats.org/officeDocument/2006/relationships" xmlns:p="http://schemas.openxmlformats.org/presentationml/2006/main" show="0">
-  <p:cSld>
-    <p:spTree>
-      <p:nvGrpSpPr>
-        <p:cNvPr id="1" name=""/>
-        <p:cNvGrpSpPr/>
-        <p:nvPr/>
-      </p:nvGrpSpPr>
-      <p:grpSpPr>
-        <a:xfrm>
-          <a:off x="0" y="0"/>
-          <a:ext cx="0" cy="0"/>
-          <a:chOff x="0" y="0"/>
-          <a:chExt cx="0" cy="0"/>
-        </a:xfrm>
-      </p:grpSpPr>
-      <p:sp>
-        <p:nvSpPr>
-          <p:cNvPr id="3" name="Title 2">
-            <a:extLst>
-              <a:ext uri="{FF2B5EF4-FFF2-40B4-BE49-F238E27FC236}">
-                <a16:creationId xmlns:a16="http://schemas.microsoft.com/office/drawing/2014/main" id="{9323871C-7CA8-1448-8FFC-1AE6E1838941}"/>
-              </a:ext>
-            </a:extLst>
-          </p:cNvPr>
-          <p:cNvSpPr>
-            <a:spLocks noGrp="1"/>
-          </p:cNvSpPr>
-          <p:nvPr>
-            <p:ph type="title"/>
-          </p:nvPr>
-        </p:nvSpPr>
-        <p:spPr/>
-        <p:txBody>
-          <a:bodyPr/>
-          <a:lstStyle/>
-          <a:p>
-            <a:r>
-              <a:rPr lang="en-US" dirty="0"/>
-              <a:t>Some Open Research Questions</a:t>
-            </a:r>
-          </a:p>
-        </p:txBody>
-      </p:sp>
       <p:sp>
         <p:nvSpPr>
           <p:cNvPr id="4" name="Text Placeholder 3">
@@ -24046,7 +23832,7 @@
 </p:sld>
 </file>
 
-<file path=ppt/slides/slide43.xml><?xml version="1.0" encoding="utf-8"?>
+<file path=ppt/slides/slide42.xml><?xml version="1.0" encoding="utf-8"?>
 <p:sld xmlns:a="http://schemas.openxmlformats.org/drawingml/2006/main" xmlns:r="http://schemas.openxmlformats.org/officeDocument/2006/relationships" xmlns:p="http://schemas.openxmlformats.org/presentationml/2006/main" show="0">
   <p:cSld>
     <p:spTree>
@@ -24112,7 +23898,7 @@
 </p:sld>
 </file>
 
-<file path=ppt/slides/slide44.xml><?xml version="1.0" encoding="utf-8"?>
+<file path=ppt/slides/slide43.xml><?xml version="1.0" encoding="utf-8"?>
 <p:sld xmlns:a="http://schemas.openxmlformats.org/drawingml/2006/main" xmlns:r="http://schemas.openxmlformats.org/officeDocument/2006/relationships" xmlns:p="http://schemas.openxmlformats.org/presentationml/2006/main" show="0">
   <p:cSld>
     <p:spTree>
@@ -24954,7 +24740,7 @@
 </p:sld>
 </file>
 
-<file path=ppt/slides/slide45.xml><?xml version="1.0" encoding="utf-8"?>
+<file path=ppt/slides/slide44.xml><?xml version="1.0" encoding="utf-8"?>
 <p:sld xmlns:a="http://schemas.openxmlformats.org/drawingml/2006/main" xmlns:r="http://schemas.openxmlformats.org/officeDocument/2006/relationships" xmlns:p="http://schemas.openxmlformats.org/presentationml/2006/main" show="0">
   <p:cSld>
     <p:spTree>
@@ -25078,6 +24864,594 @@
     <p:extLst>
       <p:ext uri="{BB962C8B-B14F-4D97-AF65-F5344CB8AC3E}">
         <p14:creationId xmlns:p14="http://schemas.microsoft.com/office/powerpoint/2010/main" val="462557737"/>
+      </p:ext>
+    </p:extLst>
+  </p:cSld>
+  <p:clrMapOvr>
+    <a:masterClrMapping/>
+  </p:clrMapOvr>
+</p:sld>
+</file>
+
+<file path=ppt/slides/slide45.xml><?xml version="1.0" encoding="utf-8"?>
+<p:sld xmlns:a="http://schemas.openxmlformats.org/drawingml/2006/main" xmlns:r="http://schemas.openxmlformats.org/officeDocument/2006/relationships" xmlns:p="http://schemas.openxmlformats.org/presentationml/2006/main" show="0">
+  <p:cSld>
+    <p:spTree>
+      <p:nvGrpSpPr>
+        <p:cNvPr id="1" name="Shape 93"/>
+        <p:cNvGrpSpPr/>
+        <p:nvPr/>
+      </p:nvGrpSpPr>
+      <p:grpSpPr>
+        <a:xfrm>
+          <a:off x="0" y="0"/>
+          <a:ext cx="0" cy="0"/>
+          <a:chOff x="0" y="0"/>
+          <a:chExt cx="0" cy="0"/>
+        </a:xfrm>
+      </p:grpSpPr>
+      <p:sp>
+        <p:nvSpPr>
+          <p:cNvPr id="94" name="Google Shape;94;p5"/>
+          <p:cNvSpPr txBox="1"/>
+          <p:nvPr/>
+        </p:nvSpPr>
+        <p:spPr>
+          <a:xfrm>
+            <a:off x="1981200" y="5624513"/>
+            <a:ext cx="2133600" cy="273900"/>
+          </a:xfrm>
+          <a:prstGeom prst="rect">
+            <a:avLst/>
+          </a:prstGeom>
+          <a:noFill/>
+          <a:ln>
+            <a:noFill/>
+          </a:ln>
+        </p:spPr>
+        <p:txBody>
+          <a:bodyPr spcFirstLastPara="1" wrap="square" lIns="91425" tIns="91425" rIns="91425" bIns="91425" anchor="ctr" anchorCtr="0">
+            <a:noAutofit/>
+          </a:bodyPr>
+          <a:lstStyle/>
+          <a:p>
+            <a:pPr marL="0" marR="0" lvl="0" indent="0" algn="l" rtl="0">
+              <a:spcBef>
+                <a:spcPts val="0"/>
+              </a:spcBef>
+              <a:spcAft>
+                <a:spcPts val="0"/>
+              </a:spcAft>
+              <a:buNone/>
+            </a:pPr>
+            <a:endParaRPr sz="2400" b="0" i="0" u="none" strike="noStrike" cap="none">
+              <a:solidFill>
+                <a:srgbClr val="000000"/>
+              </a:solidFill>
+              <a:latin typeface="Calibri"/>
+              <a:ea typeface="Calibri"/>
+              <a:cs typeface="Calibri"/>
+              <a:sym typeface="Calibri"/>
+            </a:endParaRPr>
+          </a:p>
+        </p:txBody>
+      </p:sp>
+      <p:sp>
+        <p:nvSpPr>
+          <p:cNvPr id="95" name="Google Shape;95;p5"/>
+          <p:cNvSpPr txBox="1"/>
+          <p:nvPr/>
+        </p:nvSpPr>
+        <p:spPr>
+          <a:xfrm>
+            <a:off x="4648200" y="5624513"/>
+            <a:ext cx="2895600" cy="273900"/>
+          </a:xfrm>
+          <a:prstGeom prst="rect">
+            <a:avLst/>
+          </a:prstGeom>
+          <a:noFill/>
+          <a:ln>
+            <a:noFill/>
+          </a:ln>
+        </p:spPr>
+        <p:txBody>
+          <a:bodyPr spcFirstLastPara="1" wrap="square" lIns="91425" tIns="91425" rIns="91425" bIns="91425" anchor="ctr" anchorCtr="0">
+            <a:noAutofit/>
+          </a:bodyPr>
+          <a:lstStyle/>
+          <a:p>
+            <a:pPr marL="0" marR="0" lvl="0" indent="0" algn="ctr" rtl="0">
+              <a:spcBef>
+                <a:spcPts val="0"/>
+              </a:spcBef>
+              <a:spcAft>
+                <a:spcPts val="0"/>
+              </a:spcAft>
+              <a:buNone/>
+            </a:pPr>
+            <a:endParaRPr sz="2400" b="0" i="0" u="none" strike="noStrike" cap="none">
+              <a:solidFill>
+                <a:srgbClr val="000000"/>
+              </a:solidFill>
+              <a:latin typeface="Calibri"/>
+              <a:ea typeface="Calibri"/>
+              <a:cs typeface="Calibri"/>
+              <a:sym typeface="Calibri"/>
+            </a:endParaRPr>
+          </a:p>
+        </p:txBody>
+      </p:sp>
+      <p:sp>
+        <p:nvSpPr>
+          <p:cNvPr id="96" name="Google Shape;96;p5"/>
+          <p:cNvSpPr txBox="1"/>
+          <p:nvPr/>
+        </p:nvSpPr>
+        <p:spPr>
+          <a:xfrm>
+            <a:off x="8077200" y="5624513"/>
+            <a:ext cx="2133600" cy="273900"/>
+          </a:xfrm>
+          <a:prstGeom prst="rect">
+            <a:avLst/>
+          </a:prstGeom>
+          <a:noFill/>
+          <a:ln>
+            <a:noFill/>
+          </a:ln>
+        </p:spPr>
+        <p:txBody>
+          <a:bodyPr spcFirstLastPara="1" wrap="square" lIns="91425" tIns="45700" rIns="91425" bIns="45700" anchor="ctr" anchorCtr="0">
+            <a:noAutofit/>
+          </a:bodyPr>
+          <a:lstStyle/>
+          <a:p>
+            <a:pPr marL="0" marR="0" lvl="0" indent="0" algn="r" rtl="0">
+              <a:spcBef>
+                <a:spcPts val="0"/>
+              </a:spcBef>
+              <a:spcAft>
+                <a:spcPts val="0"/>
+              </a:spcAft>
+              <a:buNone/>
+            </a:pPr>
+            <a:fld id="{00000000-1234-1234-1234-123412341234}" type="slidenum">
+              <a:rPr lang="en-US" sz="1200" b="0" i="0" u="none" strike="noStrike" cap="none">
+                <a:solidFill>
+                  <a:srgbClr val="888888"/>
+                </a:solidFill>
+                <a:latin typeface="Calibri"/>
+                <a:ea typeface="Calibri"/>
+                <a:cs typeface="Calibri"/>
+                <a:sym typeface="Calibri"/>
+              </a:rPr>
+              <a:t>45</a:t>
+            </a:fld>
+            <a:endParaRPr sz="1200" b="0" i="0" u="none" strike="noStrike" cap="none">
+              <a:solidFill>
+                <a:srgbClr val="888888"/>
+              </a:solidFill>
+              <a:latin typeface="Calibri"/>
+              <a:ea typeface="Calibri"/>
+              <a:cs typeface="Calibri"/>
+              <a:sym typeface="Calibri"/>
+            </a:endParaRPr>
+          </a:p>
+        </p:txBody>
+      </p:sp>
+      <p:sp>
+        <p:nvSpPr>
+          <p:cNvPr id="97" name="Google Shape;97;p5"/>
+          <p:cNvSpPr txBox="1"/>
+          <p:nvPr/>
+        </p:nvSpPr>
+        <p:spPr>
+          <a:xfrm>
+            <a:off x="1526024" y="5700726"/>
+            <a:ext cx="9144000" cy="273900"/>
+          </a:xfrm>
+          <a:prstGeom prst="rect">
+            <a:avLst/>
+          </a:prstGeom>
+          <a:noFill/>
+          <a:ln>
+            <a:noFill/>
+          </a:ln>
+        </p:spPr>
+        <p:txBody>
+          <a:bodyPr spcFirstLastPara="1" wrap="square" lIns="91425" tIns="45700" rIns="91425" bIns="45700" anchor="ctr" anchorCtr="0">
+            <a:noAutofit/>
+          </a:bodyPr>
+          <a:lstStyle/>
+          <a:p>
+            <a:pPr marL="0" marR="0" lvl="0" indent="0" algn="ctr" rtl="0">
+              <a:spcBef>
+                <a:spcPts val="0"/>
+              </a:spcBef>
+              <a:spcAft>
+                <a:spcPts val="0"/>
+              </a:spcAft>
+              <a:buNone/>
+            </a:pPr>
+            <a:r>
+              <a:rPr lang="en-US" sz="1200" b="0" i="0" u="none" strike="noStrike" cap="none">
+                <a:solidFill>
+                  <a:srgbClr val="FFFFFF"/>
+                </a:solidFill>
+                <a:latin typeface="Calibri"/>
+                <a:ea typeface="Calibri"/>
+                <a:cs typeface="Calibri"/>
+                <a:sym typeface="Calibri"/>
+              </a:rPr>
+              <a:t>Center for Data Science and Public Policy</a:t>
+            </a:r>
+            <a:br>
+              <a:rPr lang="en-US" sz="1200" b="0" i="0" u="none" strike="noStrike" cap="none">
+                <a:solidFill>
+                  <a:srgbClr val="FFFFFF"/>
+                </a:solidFill>
+                <a:latin typeface="Calibri"/>
+                <a:ea typeface="Calibri"/>
+                <a:cs typeface="Calibri"/>
+                <a:sym typeface="Calibri"/>
+              </a:rPr>
+            </a:br>
+            <a:r>
+              <a:rPr lang="en-US" sz="1200" b="0" i="0" u="none" strike="noStrike" cap="none">
+                <a:solidFill>
+                  <a:srgbClr val="FFFFFF"/>
+                </a:solidFill>
+                <a:latin typeface="Calibri"/>
+                <a:ea typeface="Calibri"/>
+                <a:cs typeface="Calibri"/>
+                <a:sym typeface="Calibri"/>
+              </a:rPr>
+              <a:t>University of Chicago</a:t>
+            </a:r>
+            <a:endParaRPr/>
+          </a:p>
+          <a:p>
+            <a:pPr marL="0" marR="0" lvl="0" indent="0" algn="ctr" rtl="0">
+              <a:spcBef>
+                <a:spcPts val="0"/>
+              </a:spcBef>
+              <a:spcAft>
+                <a:spcPts val="0"/>
+              </a:spcAft>
+              <a:buNone/>
+            </a:pPr>
+            <a:endParaRPr sz="1200" b="0" i="0" u="none" strike="noStrike" cap="none">
+              <a:solidFill>
+                <a:srgbClr val="FFFFFF"/>
+              </a:solidFill>
+              <a:latin typeface="Calibri"/>
+              <a:ea typeface="Calibri"/>
+              <a:cs typeface="Calibri"/>
+              <a:sym typeface="Calibri"/>
+            </a:endParaRPr>
+          </a:p>
+        </p:txBody>
+      </p:sp>
+      <p:sp>
+        <p:nvSpPr>
+          <p:cNvPr id="98" name="Google Shape;98;p5"/>
+          <p:cNvSpPr txBox="1"/>
+          <p:nvPr/>
+        </p:nvSpPr>
+        <p:spPr>
+          <a:xfrm>
+            <a:off x="1739600" y="5624526"/>
+            <a:ext cx="1592400" cy="273900"/>
+          </a:xfrm>
+          <a:prstGeom prst="rect">
+            <a:avLst/>
+          </a:prstGeom>
+          <a:noFill/>
+          <a:ln>
+            <a:noFill/>
+          </a:ln>
+        </p:spPr>
+        <p:txBody>
+          <a:bodyPr spcFirstLastPara="1" wrap="square" lIns="91425" tIns="45700" rIns="91425" bIns="45700" anchor="ctr" anchorCtr="0">
+            <a:noAutofit/>
+          </a:bodyPr>
+          <a:lstStyle/>
+          <a:p>
+            <a:pPr marL="0" marR="0" lvl="0" indent="0" algn="l" rtl="0">
+              <a:spcBef>
+                <a:spcPts val="0"/>
+              </a:spcBef>
+              <a:spcAft>
+                <a:spcPts val="0"/>
+              </a:spcAft>
+              <a:buNone/>
+            </a:pPr>
+            <a:r>
+              <a:rPr lang="en-US" sz="1200" b="0" i="0" u="none" strike="noStrike" cap="none">
+                <a:solidFill>
+                  <a:srgbClr val="FFFFFF"/>
+                </a:solidFill>
+                <a:latin typeface="Calibri"/>
+                <a:ea typeface="Calibri"/>
+                <a:cs typeface="Calibri"/>
+                <a:sym typeface="Calibri"/>
+              </a:rPr>
+              <a:t>dsapp.uchicago.edu</a:t>
+            </a:r>
+            <a:endParaRPr/>
+          </a:p>
+        </p:txBody>
+      </p:sp>
+      <p:sp>
+        <p:nvSpPr>
+          <p:cNvPr id="99" name="Google Shape;99;p5"/>
+          <p:cNvSpPr txBox="1"/>
+          <p:nvPr/>
+        </p:nvSpPr>
+        <p:spPr>
+          <a:xfrm>
+            <a:off x="8906233" y="5624513"/>
+            <a:ext cx="1304700" cy="273900"/>
+          </a:xfrm>
+          <a:prstGeom prst="rect">
+            <a:avLst/>
+          </a:prstGeom>
+          <a:noFill/>
+          <a:ln>
+            <a:noFill/>
+          </a:ln>
+        </p:spPr>
+        <p:txBody>
+          <a:bodyPr spcFirstLastPara="1" wrap="square" lIns="91425" tIns="45700" rIns="91425" bIns="45700" anchor="ctr" anchorCtr="0">
+            <a:noAutofit/>
+          </a:bodyPr>
+          <a:lstStyle/>
+          <a:p>
+            <a:pPr marL="0" marR="0" lvl="0" indent="0" algn="r" rtl="0">
+              <a:spcBef>
+                <a:spcPts val="0"/>
+              </a:spcBef>
+              <a:spcAft>
+                <a:spcPts val="0"/>
+              </a:spcAft>
+              <a:buNone/>
+            </a:pPr>
+            <a:r>
+              <a:rPr lang="en-US" sz="1200" b="0" i="0" u="none" strike="noStrike" cap="none">
+                <a:solidFill>
+                  <a:srgbClr val="FFFFFF"/>
+                </a:solidFill>
+                <a:latin typeface="Calibri"/>
+                <a:ea typeface="Calibri"/>
+                <a:cs typeface="Calibri"/>
+                <a:sym typeface="Calibri"/>
+              </a:rPr>
+              <a:t>@datascifellows</a:t>
+            </a:r>
+            <a:endParaRPr/>
+          </a:p>
+        </p:txBody>
+      </p:sp>
+      <p:sp>
+        <p:nvSpPr>
+          <p:cNvPr id="100" name="Google Shape;100;p5"/>
+          <p:cNvSpPr txBox="1">
+            <a:spLocks noGrp="1"/>
+          </p:cNvSpPr>
+          <p:nvPr>
+            <p:ph type="body" idx="1"/>
+          </p:nvPr>
+        </p:nvSpPr>
+        <p:spPr>
+          <a:xfrm>
+            <a:off x="415600" y="1536625"/>
+            <a:ext cx="8421900" cy="5060700"/>
+          </a:xfrm>
+          <a:prstGeom prst="rect">
+            <a:avLst/>
+          </a:prstGeom>
+          <a:noFill/>
+          <a:ln>
+            <a:noFill/>
+          </a:ln>
+        </p:spPr>
+        <p:txBody>
+          <a:bodyPr spcFirstLastPara="1" wrap="square" lIns="91425" tIns="91425" rIns="91425" bIns="91425" anchor="t" anchorCtr="0">
+            <a:noAutofit/>
+          </a:bodyPr>
+          <a:lstStyle/>
+          <a:p>
+            <a:pPr marL="457189" lvl="0" indent="-228594" algn="l" rtl="0">
+              <a:spcBef>
+                <a:spcPts val="0"/>
+              </a:spcBef>
+              <a:spcAft>
+                <a:spcPts val="0"/>
+              </a:spcAft>
+              <a:buClr>
+                <a:schemeClr val="dk1"/>
+              </a:buClr>
+              <a:buSzPts val="2800"/>
+              <a:buAutoNum type="arabicPeriod"/>
+            </a:pPr>
+            <a:r>
+              <a:rPr lang="en-US" sz="2800" b="1" dirty="0"/>
+              <a:t> Goals</a:t>
+            </a:r>
+            <a:r>
+              <a:rPr lang="en-US" sz="2800" dirty="0"/>
+              <a:t>: Define the goal(s) of the project</a:t>
+            </a:r>
+            <a:br>
+              <a:rPr lang="en-US" sz="2800" dirty="0"/>
+            </a:br>
+            <a:endParaRPr sz="1200" dirty="0"/>
+          </a:p>
+          <a:p>
+            <a:pPr marL="457189" lvl="0" indent="-228594" algn="l" rtl="0">
+              <a:spcBef>
+                <a:spcPts val="560"/>
+              </a:spcBef>
+              <a:spcAft>
+                <a:spcPts val="0"/>
+              </a:spcAft>
+              <a:buClr>
+                <a:schemeClr val="dk1"/>
+              </a:buClr>
+              <a:buSzPts val="2800"/>
+              <a:buAutoNum type="arabicPeriod"/>
+            </a:pPr>
+            <a:r>
+              <a:rPr lang="en-US" sz="2800" b="1" dirty="0"/>
+              <a:t> Actions</a:t>
+            </a:r>
+            <a:r>
+              <a:rPr lang="en-US" sz="2800" dirty="0"/>
+              <a:t>: What actions/interventions will you inform?</a:t>
+            </a:r>
+            <a:br>
+              <a:rPr lang="en-US" sz="2800" dirty="0"/>
+            </a:br>
+            <a:endParaRPr sz="1200" dirty="0"/>
+          </a:p>
+          <a:p>
+            <a:pPr marL="457189" lvl="0" indent="-228594" algn="l" rtl="0">
+              <a:spcBef>
+                <a:spcPts val="560"/>
+              </a:spcBef>
+              <a:spcAft>
+                <a:spcPts val="0"/>
+              </a:spcAft>
+              <a:buClr>
+                <a:schemeClr val="dk1"/>
+              </a:buClr>
+              <a:buSzPts val="2800"/>
+              <a:buAutoNum type="arabicPeriod"/>
+            </a:pPr>
+            <a:r>
+              <a:rPr lang="en-US" sz="2800" b="1" dirty="0"/>
+              <a:t> Data</a:t>
+            </a:r>
+            <a:r>
+              <a:rPr lang="en-US" sz="2800" dirty="0"/>
+              <a:t>: What data do you have internally? What data do you need? What can you augment from external and public sources?</a:t>
+            </a:r>
+            <a:br>
+              <a:rPr lang="en-US" sz="2800" dirty="0"/>
+            </a:br>
+            <a:endParaRPr sz="1200" dirty="0"/>
+          </a:p>
+          <a:p>
+            <a:pPr marL="457189" lvl="0" indent="-228594" algn="l" rtl="0">
+              <a:spcBef>
+                <a:spcPts val="560"/>
+              </a:spcBef>
+              <a:spcAft>
+                <a:spcPts val="0"/>
+              </a:spcAft>
+              <a:buClr>
+                <a:schemeClr val="dk1"/>
+              </a:buClr>
+              <a:buSzPts val="2800"/>
+              <a:buAutoNum type="arabicPeriod"/>
+            </a:pPr>
+            <a:r>
+              <a:rPr lang="en-US" sz="2800" b="1" dirty="0"/>
+              <a:t> Analysis</a:t>
+            </a:r>
+            <a:r>
+              <a:rPr lang="en-US" sz="2800" dirty="0"/>
+              <a:t>: What analysis needs to be done? </a:t>
+            </a:r>
+            <a:br>
+              <a:rPr lang="en-US" sz="2800" dirty="0"/>
+            </a:br>
+            <a:r>
+              <a:rPr lang="en-US" sz="2800" dirty="0"/>
+              <a:t>How will it be validated?</a:t>
+            </a:r>
+            <a:endParaRPr dirty="0"/>
+          </a:p>
+        </p:txBody>
+      </p:sp>
+      <p:sp>
+        <p:nvSpPr>
+          <p:cNvPr id="101" name="Google Shape;101;p5"/>
+          <p:cNvSpPr txBox="1">
+            <a:spLocks noGrp="1"/>
+          </p:cNvSpPr>
+          <p:nvPr>
+            <p:ph type="title"/>
+          </p:nvPr>
+        </p:nvSpPr>
+        <p:spPr>
+          <a:xfrm>
+            <a:off x="415600" y="-1"/>
+            <a:ext cx="11360700" cy="973449"/>
+          </a:xfrm>
+          <a:prstGeom prst="rect">
+            <a:avLst/>
+          </a:prstGeom>
+          <a:noFill/>
+          <a:ln>
+            <a:noFill/>
+          </a:ln>
+        </p:spPr>
+        <p:txBody>
+          <a:bodyPr spcFirstLastPara="1" wrap="square" lIns="91425" tIns="91425" rIns="91425" bIns="91425" anchor="ctr" anchorCtr="0">
+            <a:noAutofit/>
+          </a:bodyPr>
+          <a:lstStyle/>
+          <a:p>
+            <a:pPr marL="0" lvl="0" indent="0" algn="ctr" rtl="0">
+              <a:spcBef>
+                <a:spcPts val="0"/>
+              </a:spcBef>
+              <a:spcAft>
+                <a:spcPts val="0"/>
+              </a:spcAft>
+              <a:buNone/>
+            </a:pPr>
+            <a:r>
+              <a:rPr lang="en-US" sz="4600" dirty="0"/>
+              <a:t>Actionable and Goal-Driven Project Scope</a:t>
+            </a:r>
+            <a:endParaRPr sz="4600" dirty="0"/>
+          </a:p>
+        </p:txBody>
+      </p:sp>
+      <p:pic>
+        <p:nvPicPr>
+          <p:cNvPr id="102" name="Google Shape;102;p5"/>
+          <p:cNvPicPr preferRelativeResize="0"/>
+          <p:nvPr/>
+        </p:nvPicPr>
+        <p:blipFill rotWithShape="1">
+          <a:blip r:embed="rId3">
+            <a:alphaModFix/>
+          </a:blip>
+          <a:srcRect/>
+          <a:stretch/>
+        </p:blipFill>
+        <p:spPr>
+          <a:xfrm>
+            <a:off x="8906232" y="1993197"/>
+            <a:ext cx="3068139" cy="3068139"/>
+          </a:xfrm>
+          <a:prstGeom prst="rect">
+            <a:avLst/>
+          </a:prstGeom>
+          <a:noFill/>
+          <a:ln>
+            <a:noFill/>
+          </a:ln>
+        </p:spPr>
+      </p:pic>
+    </p:spTree>
+    <p:extLst>
+      <p:ext uri="{BB962C8B-B14F-4D97-AF65-F5344CB8AC3E}">
+        <p14:creationId xmlns:p14="http://schemas.microsoft.com/office/powerpoint/2010/main" val="2436022473"/>
       </p:ext>
     </p:extLst>
   </p:cSld>
@@ -25449,594 +25823,6 @@
       </p:sp>
       <p:sp>
         <p:nvSpPr>
-          <p:cNvPr id="100" name="Google Shape;100;p5"/>
-          <p:cNvSpPr txBox="1">
-            <a:spLocks noGrp="1"/>
-          </p:cNvSpPr>
-          <p:nvPr>
-            <p:ph type="body" idx="1"/>
-          </p:nvPr>
-        </p:nvSpPr>
-        <p:spPr>
-          <a:xfrm>
-            <a:off x="415600" y="1536625"/>
-            <a:ext cx="8421900" cy="5060700"/>
-          </a:xfrm>
-          <a:prstGeom prst="rect">
-            <a:avLst/>
-          </a:prstGeom>
-          <a:noFill/>
-          <a:ln>
-            <a:noFill/>
-          </a:ln>
-        </p:spPr>
-        <p:txBody>
-          <a:bodyPr spcFirstLastPara="1" wrap="square" lIns="91425" tIns="91425" rIns="91425" bIns="91425" anchor="t" anchorCtr="0">
-            <a:noAutofit/>
-          </a:bodyPr>
-          <a:lstStyle/>
-          <a:p>
-            <a:pPr marL="457189" lvl="0" indent="-228594" algn="l" rtl="0">
-              <a:spcBef>
-                <a:spcPts val="0"/>
-              </a:spcBef>
-              <a:spcAft>
-                <a:spcPts val="0"/>
-              </a:spcAft>
-              <a:buClr>
-                <a:schemeClr val="dk1"/>
-              </a:buClr>
-              <a:buSzPts val="2800"/>
-              <a:buAutoNum type="arabicPeriod"/>
-            </a:pPr>
-            <a:r>
-              <a:rPr lang="en-US" sz="2800" b="1" dirty="0"/>
-              <a:t> Goals</a:t>
-            </a:r>
-            <a:r>
-              <a:rPr lang="en-US" sz="2800" dirty="0"/>
-              <a:t>: Define the goal(s) of the project</a:t>
-            </a:r>
-            <a:br>
-              <a:rPr lang="en-US" sz="2800" dirty="0"/>
-            </a:br>
-            <a:endParaRPr sz="1200" dirty="0"/>
-          </a:p>
-          <a:p>
-            <a:pPr marL="457189" lvl="0" indent="-228594" algn="l" rtl="0">
-              <a:spcBef>
-                <a:spcPts val="560"/>
-              </a:spcBef>
-              <a:spcAft>
-                <a:spcPts val="0"/>
-              </a:spcAft>
-              <a:buClr>
-                <a:schemeClr val="dk1"/>
-              </a:buClr>
-              <a:buSzPts val="2800"/>
-              <a:buAutoNum type="arabicPeriod"/>
-            </a:pPr>
-            <a:r>
-              <a:rPr lang="en-US" sz="2800" b="1" dirty="0"/>
-              <a:t> Actions</a:t>
-            </a:r>
-            <a:r>
-              <a:rPr lang="en-US" sz="2800" dirty="0"/>
-              <a:t>: What actions/interventions will you inform?</a:t>
-            </a:r>
-            <a:br>
-              <a:rPr lang="en-US" sz="2800" dirty="0"/>
-            </a:br>
-            <a:endParaRPr sz="1200" dirty="0"/>
-          </a:p>
-          <a:p>
-            <a:pPr marL="457189" lvl="0" indent="-228594" algn="l" rtl="0">
-              <a:spcBef>
-                <a:spcPts val="560"/>
-              </a:spcBef>
-              <a:spcAft>
-                <a:spcPts val="0"/>
-              </a:spcAft>
-              <a:buClr>
-                <a:schemeClr val="dk1"/>
-              </a:buClr>
-              <a:buSzPts val="2800"/>
-              <a:buAutoNum type="arabicPeriod"/>
-            </a:pPr>
-            <a:r>
-              <a:rPr lang="en-US" sz="2800" b="1" dirty="0"/>
-              <a:t> Data</a:t>
-            </a:r>
-            <a:r>
-              <a:rPr lang="en-US" sz="2800" dirty="0"/>
-              <a:t>: What data do you have internally? What data do you need? What can you augment from external and public sources?</a:t>
-            </a:r>
-            <a:br>
-              <a:rPr lang="en-US" sz="2800" dirty="0"/>
-            </a:br>
-            <a:endParaRPr sz="1200" dirty="0"/>
-          </a:p>
-          <a:p>
-            <a:pPr marL="457189" lvl="0" indent="-228594" algn="l" rtl="0">
-              <a:spcBef>
-                <a:spcPts val="560"/>
-              </a:spcBef>
-              <a:spcAft>
-                <a:spcPts val="0"/>
-              </a:spcAft>
-              <a:buClr>
-                <a:schemeClr val="dk1"/>
-              </a:buClr>
-              <a:buSzPts val="2800"/>
-              <a:buAutoNum type="arabicPeriod"/>
-            </a:pPr>
-            <a:r>
-              <a:rPr lang="en-US" sz="2800" b="1" dirty="0"/>
-              <a:t> Analysis</a:t>
-            </a:r>
-            <a:r>
-              <a:rPr lang="en-US" sz="2800" dirty="0"/>
-              <a:t>: What analysis needs to be done? </a:t>
-            </a:r>
-            <a:br>
-              <a:rPr lang="en-US" sz="2800" dirty="0"/>
-            </a:br>
-            <a:r>
-              <a:rPr lang="en-US" sz="2800" dirty="0"/>
-              <a:t>How will it be validated?</a:t>
-            </a:r>
-            <a:endParaRPr dirty="0"/>
-          </a:p>
-        </p:txBody>
-      </p:sp>
-      <p:sp>
-        <p:nvSpPr>
-          <p:cNvPr id="101" name="Google Shape;101;p5"/>
-          <p:cNvSpPr txBox="1">
-            <a:spLocks noGrp="1"/>
-          </p:cNvSpPr>
-          <p:nvPr>
-            <p:ph type="title"/>
-          </p:nvPr>
-        </p:nvSpPr>
-        <p:spPr>
-          <a:xfrm>
-            <a:off x="415600" y="-1"/>
-            <a:ext cx="11360700" cy="973449"/>
-          </a:xfrm>
-          <a:prstGeom prst="rect">
-            <a:avLst/>
-          </a:prstGeom>
-          <a:noFill/>
-          <a:ln>
-            <a:noFill/>
-          </a:ln>
-        </p:spPr>
-        <p:txBody>
-          <a:bodyPr spcFirstLastPara="1" wrap="square" lIns="91425" tIns="91425" rIns="91425" bIns="91425" anchor="ctr" anchorCtr="0">
-            <a:noAutofit/>
-          </a:bodyPr>
-          <a:lstStyle/>
-          <a:p>
-            <a:pPr marL="0" lvl="0" indent="0" algn="ctr" rtl="0">
-              <a:spcBef>
-                <a:spcPts val="0"/>
-              </a:spcBef>
-              <a:spcAft>
-                <a:spcPts val="0"/>
-              </a:spcAft>
-              <a:buNone/>
-            </a:pPr>
-            <a:r>
-              <a:rPr lang="en-US" sz="4600" dirty="0"/>
-              <a:t>Actionable and Goal-Driven Project Scope</a:t>
-            </a:r>
-            <a:endParaRPr sz="4600" dirty="0"/>
-          </a:p>
-        </p:txBody>
-      </p:sp>
-      <p:pic>
-        <p:nvPicPr>
-          <p:cNvPr id="102" name="Google Shape;102;p5"/>
-          <p:cNvPicPr preferRelativeResize="0"/>
-          <p:nvPr/>
-        </p:nvPicPr>
-        <p:blipFill rotWithShape="1">
-          <a:blip r:embed="rId3">
-            <a:alphaModFix/>
-          </a:blip>
-          <a:srcRect/>
-          <a:stretch/>
-        </p:blipFill>
-        <p:spPr>
-          <a:xfrm>
-            <a:off x="8906232" y="1993197"/>
-            <a:ext cx="3068139" cy="3068139"/>
-          </a:xfrm>
-          <a:prstGeom prst="rect">
-            <a:avLst/>
-          </a:prstGeom>
-          <a:noFill/>
-          <a:ln>
-            <a:noFill/>
-          </a:ln>
-        </p:spPr>
-      </p:pic>
-    </p:spTree>
-    <p:extLst>
-      <p:ext uri="{BB962C8B-B14F-4D97-AF65-F5344CB8AC3E}">
-        <p14:creationId xmlns:p14="http://schemas.microsoft.com/office/powerpoint/2010/main" val="2436022473"/>
-      </p:ext>
-    </p:extLst>
-  </p:cSld>
-  <p:clrMapOvr>
-    <a:masterClrMapping/>
-  </p:clrMapOvr>
-</p:sld>
-</file>
-
-<file path=ppt/slides/slide47.xml><?xml version="1.0" encoding="utf-8"?>
-<p:sld xmlns:a="http://schemas.openxmlformats.org/drawingml/2006/main" xmlns:r="http://schemas.openxmlformats.org/officeDocument/2006/relationships" xmlns:p="http://schemas.openxmlformats.org/presentationml/2006/main" show="0">
-  <p:cSld>
-    <p:spTree>
-      <p:nvGrpSpPr>
-        <p:cNvPr id="1" name="Shape 93"/>
-        <p:cNvGrpSpPr/>
-        <p:nvPr/>
-      </p:nvGrpSpPr>
-      <p:grpSpPr>
-        <a:xfrm>
-          <a:off x="0" y="0"/>
-          <a:ext cx="0" cy="0"/>
-          <a:chOff x="0" y="0"/>
-          <a:chExt cx="0" cy="0"/>
-        </a:xfrm>
-      </p:grpSpPr>
-      <p:sp>
-        <p:nvSpPr>
-          <p:cNvPr id="94" name="Google Shape;94;p5"/>
-          <p:cNvSpPr txBox="1"/>
-          <p:nvPr/>
-        </p:nvSpPr>
-        <p:spPr>
-          <a:xfrm>
-            <a:off x="1981200" y="5624513"/>
-            <a:ext cx="2133600" cy="273900"/>
-          </a:xfrm>
-          <a:prstGeom prst="rect">
-            <a:avLst/>
-          </a:prstGeom>
-          <a:noFill/>
-          <a:ln>
-            <a:noFill/>
-          </a:ln>
-        </p:spPr>
-        <p:txBody>
-          <a:bodyPr spcFirstLastPara="1" wrap="square" lIns="91425" tIns="91425" rIns="91425" bIns="91425" anchor="ctr" anchorCtr="0">
-            <a:noAutofit/>
-          </a:bodyPr>
-          <a:lstStyle/>
-          <a:p>
-            <a:pPr marL="0" marR="0" lvl="0" indent="0" algn="l" rtl="0">
-              <a:spcBef>
-                <a:spcPts val="0"/>
-              </a:spcBef>
-              <a:spcAft>
-                <a:spcPts val="0"/>
-              </a:spcAft>
-              <a:buNone/>
-            </a:pPr>
-            <a:endParaRPr sz="2400" b="0" i="0" u="none" strike="noStrike" cap="none">
-              <a:solidFill>
-                <a:srgbClr val="000000"/>
-              </a:solidFill>
-              <a:latin typeface="Calibri"/>
-              <a:ea typeface="Calibri"/>
-              <a:cs typeface="Calibri"/>
-              <a:sym typeface="Calibri"/>
-            </a:endParaRPr>
-          </a:p>
-        </p:txBody>
-      </p:sp>
-      <p:sp>
-        <p:nvSpPr>
-          <p:cNvPr id="95" name="Google Shape;95;p5"/>
-          <p:cNvSpPr txBox="1"/>
-          <p:nvPr/>
-        </p:nvSpPr>
-        <p:spPr>
-          <a:xfrm>
-            <a:off x="4648200" y="5624513"/>
-            <a:ext cx="2895600" cy="273900"/>
-          </a:xfrm>
-          <a:prstGeom prst="rect">
-            <a:avLst/>
-          </a:prstGeom>
-          <a:noFill/>
-          <a:ln>
-            <a:noFill/>
-          </a:ln>
-        </p:spPr>
-        <p:txBody>
-          <a:bodyPr spcFirstLastPara="1" wrap="square" lIns="91425" tIns="91425" rIns="91425" bIns="91425" anchor="ctr" anchorCtr="0">
-            <a:noAutofit/>
-          </a:bodyPr>
-          <a:lstStyle/>
-          <a:p>
-            <a:pPr marL="0" marR="0" lvl="0" indent="0" algn="ctr" rtl="0">
-              <a:spcBef>
-                <a:spcPts val="0"/>
-              </a:spcBef>
-              <a:spcAft>
-                <a:spcPts val="0"/>
-              </a:spcAft>
-              <a:buNone/>
-            </a:pPr>
-            <a:endParaRPr sz="2400" b="0" i="0" u="none" strike="noStrike" cap="none">
-              <a:solidFill>
-                <a:srgbClr val="000000"/>
-              </a:solidFill>
-              <a:latin typeface="Calibri"/>
-              <a:ea typeface="Calibri"/>
-              <a:cs typeface="Calibri"/>
-              <a:sym typeface="Calibri"/>
-            </a:endParaRPr>
-          </a:p>
-        </p:txBody>
-      </p:sp>
-      <p:sp>
-        <p:nvSpPr>
-          <p:cNvPr id="96" name="Google Shape;96;p5"/>
-          <p:cNvSpPr txBox="1"/>
-          <p:nvPr/>
-        </p:nvSpPr>
-        <p:spPr>
-          <a:xfrm>
-            <a:off x="8077200" y="5624513"/>
-            <a:ext cx="2133600" cy="273900"/>
-          </a:xfrm>
-          <a:prstGeom prst="rect">
-            <a:avLst/>
-          </a:prstGeom>
-          <a:noFill/>
-          <a:ln>
-            <a:noFill/>
-          </a:ln>
-        </p:spPr>
-        <p:txBody>
-          <a:bodyPr spcFirstLastPara="1" wrap="square" lIns="91425" tIns="45700" rIns="91425" bIns="45700" anchor="ctr" anchorCtr="0">
-            <a:noAutofit/>
-          </a:bodyPr>
-          <a:lstStyle/>
-          <a:p>
-            <a:pPr marL="0" marR="0" lvl="0" indent="0" algn="r" rtl="0">
-              <a:spcBef>
-                <a:spcPts val="0"/>
-              </a:spcBef>
-              <a:spcAft>
-                <a:spcPts val="0"/>
-              </a:spcAft>
-              <a:buNone/>
-            </a:pPr>
-            <a:fld id="{00000000-1234-1234-1234-123412341234}" type="slidenum">
-              <a:rPr lang="en-US" sz="1200" b="0" i="0" u="none" strike="noStrike" cap="none">
-                <a:solidFill>
-                  <a:srgbClr val="888888"/>
-                </a:solidFill>
-                <a:latin typeface="Calibri"/>
-                <a:ea typeface="Calibri"/>
-                <a:cs typeface="Calibri"/>
-                <a:sym typeface="Calibri"/>
-              </a:rPr>
-              <a:t>47</a:t>
-            </a:fld>
-            <a:endParaRPr sz="1200" b="0" i="0" u="none" strike="noStrike" cap="none">
-              <a:solidFill>
-                <a:srgbClr val="888888"/>
-              </a:solidFill>
-              <a:latin typeface="Calibri"/>
-              <a:ea typeface="Calibri"/>
-              <a:cs typeface="Calibri"/>
-              <a:sym typeface="Calibri"/>
-            </a:endParaRPr>
-          </a:p>
-        </p:txBody>
-      </p:sp>
-      <p:sp>
-        <p:nvSpPr>
-          <p:cNvPr id="97" name="Google Shape;97;p5"/>
-          <p:cNvSpPr txBox="1"/>
-          <p:nvPr/>
-        </p:nvSpPr>
-        <p:spPr>
-          <a:xfrm>
-            <a:off x="1526024" y="5700726"/>
-            <a:ext cx="9144000" cy="273900"/>
-          </a:xfrm>
-          <a:prstGeom prst="rect">
-            <a:avLst/>
-          </a:prstGeom>
-          <a:noFill/>
-          <a:ln>
-            <a:noFill/>
-          </a:ln>
-        </p:spPr>
-        <p:txBody>
-          <a:bodyPr spcFirstLastPara="1" wrap="square" lIns="91425" tIns="45700" rIns="91425" bIns="45700" anchor="ctr" anchorCtr="0">
-            <a:noAutofit/>
-          </a:bodyPr>
-          <a:lstStyle/>
-          <a:p>
-            <a:pPr marL="0" marR="0" lvl="0" indent="0" algn="ctr" rtl="0">
-              <a:spcBef>
-                <a:spcPts val="0"/>
-              </a:spcBef>
-              <a:spcAft>
-                <a:spcPts val="0"/>
-              </a:spcAft>
-              <a:buNone/>
-            </a:pPr>
-            <a:r>
-              <a:rPr lang="en-US" sz="1200" b="0" i="0" u="none" strike="noStrike" cap="none">
-                <a:solidFill>
-                  <a:srgbClr val="FFFFFF"/>
-                </a:solidFill>
-                <a:latin typeface="Calibri"/>
-                <a:ea typeface="Calibri"/>
-                <a:cs typeface="Calibri"/>
-                <a:sym typeface="Calibri"/>
-              </a:rPr>
-              <a:t>Center for Data Science and Public Policy</a:t>
-            </a:r>
-            <a:br>
-              <a:rPr lang="en-US" sz="1200" b="0" i="0" u="none" strike="noStrike" cap="none">
-                <a:solidFill>
-                  <a:srgbClr val="FFFFFF"/>
-                </a:solidFill>
-                <a:latin typeface="Calibri"/>
-                <a:ea typeface="Calibri"/>
-                <a:cs typeface="Calibri"/>
-                <a:sym typeface="Calibri"/>
-              </a:rPr>
-            </a:br>
-            <a:r>
-              <a:rPr lang="en-US" sz="1200" b="0" i="0" u="none" strike="noStrike" cap="none">
-                <a:solidFill>
-                  <a:srgbClr val="FFFFFF"/>
-                </a:solidFill>
-                <a:latin typeface="Calibri"/>
-                <a:ea typeface="Calibri"/>
-                <a:cs typeface="Calibri"/>
-                <a:sym typeface="Calibri"/>
-              </a:rPr>
-              <a:t>University of Chicago</a:t>
-            </a:r>
-            <a:endParaRPr/>
-          </a:p>
-          <a:p>
-            <a:pPr marL="0" marR="0" lvl="0" indent="0" algn="ctr" rtl="0">
-              <a:spcBef>
-                <a:spcPts val="0"/>
-              </a:spcBef>
-              <a:spcAft>
-                <a:spcPts val="0"/>
-              </a:spcAft>
-              <a:buNone/>
-            </a:pPr>
-            <a:endParaRPr sz="1200" b="0" i="0" u="none" strike="noStrike" cap="none">
-              <a:solidFill>
-                <a:srgbClr val="FFFFFF"/>
-              </a:solidFill>
-              <a:latin typeface="Calibri"/>
-              <a:ea typeface="Calibri"/>
-              <a:cs typeface="Calibri"/>
-              <a:sym typeface="Calibri"/>
-            </a:endParaRPr>
-          </a:p>
-        </p:txBody>
-      </p:sp>
-      <p:sp>
-        <p:nvSpPr>
-          <p:cNvPr id="98" name="Google Shape;98;p5"/>
-          <p:cNvSpPr txBox="1"/>
-          <p:nvPr/>
-        </p:nvSpPr>
-        <p:spPr>
-          <a:xfrm>
-            <a:off x="1739600" y="5624526"/>
-            <a:ext cx="1592400" cy="273900"/>
-          </a:xfrm>
-          <a:prstGeom prst="rect">
-            <a:avLst/>
-          </a:prstGeom>
-          <a:noFill/>
-          <a:ln>
-            <a:noFill/>
-          </a:ln>
-        </p:spPr>
-        <p:txBody>
-          <a:bodyPr spcFirstLastPara="1" wrap="square" lIns="91425" tIns="45700" rIns="91425" bIns="45700" anchor="ctr" anchorCtr="0">
-            <a:noAutofit/>
-          </a:bodyPr>
-          <a:lstStyle/>
-          <a:p>
-            <a:pPr marL="0" marR="0" lvl="0" indent="0" algn="l" rtl="0">
-              <a:spcBef>
-                <a:spcPts val="0"/>
-              </a:spcBef>
-              <a:spcAft>
-                <a:spcPts val="0"/>
-              </a:spcAft>
-              <a:buNone/>
-            </a:pPr>
-            <a:r>
-              <a:rPr lang="en-US" sz="1200" b="0" i="0" u="none" strike="noStrike" cap="none">
-                <a:solidFill>
-                  <a:srgbClr val="FFFFFF"/>
-                </a:solidFill>
-                <a:latin typeface="Calibri"/>
-                <a:ea typeface="Calibri"/>
-                <a:cs typeface="Calibri"/>
-                <a:sym typeface="Calibri"/>
-              </a:rPr>
-              <a:t>dsapp.uchicago.edu</a:t>
-            </a:r>
-            <a:endParaRPr/>
-          </a:p>
-        </p:txBody>
-      </p:sp>
-      <p:sp>
-        <p:nvSpPr>
-          <p:cNvPr id="99" name="Google Shape;99;p5"/>
-          <p:cNvSpPr txBox="1"/>
-          <p:nvPr/>
-        </p:nvSpPr>
-        <p:spPr>
-          <a:xfrm>
-            <a:off x="8906233" y="5624513"/>
-            <a:ext cx="1304700" cy="273900"/>
-          </a:xfrm>
-          <a:prstGeom prst="rect">
-            <a:avLst/>
-          </a:prstGeom>
-          <a:noFill/>
-          <a:ln>
-            <a:noFill/>
-          </a:ln>
-        </p:spPr>
-        <p:txBody>
-          <a:bodyPr spcFirstLastPara="1" wrap="square" lIns="91425" tIns="45700" rIns="91425" bIns="45700" anchor="ctr" anchorCtr="0">
-            <a:noAutofit/>
-          </a:bodyPr>
-          <a:lstStyle/>
-          <a:p>
-            <a:pPr marL="0" marR="0" lvl="0" indent="0" algn="r" rtl="0">
-              <a:spcBef>
-                <a:spcPts val="0"/>
-              </a:spcBef>
-              <a:spcAft>
-                <a:spcPts val="0"/>
-              </a:spcAft>
-              <a:buNone/>
-            </a:pPr>
-            <a:r>
-              <a:rPr lang="en-US" sz="1200" b="0" i="0" u="none" strike="noStrike" cap="none">
-                <a:solidFill>
-                  <a:srgbClr val="FFFFFF"/>
-                </a:solidFill>
-                <a:latin typeface="Calibri"/>
-                <a:ea typeface="Calibri"/>
-                <a:cs typeface="Calibri"/>
-                <a:sym typeface="Calibri"/>
-              </a:rPr>
-              <a:t>@datascifellows</a:t>
-            </a:r>
-            <a:endParaRPr/>
-          </a:p>
-        </p:txBody>
-      </p:sp>
-      <p:sp>
-        <p:nvSpPr>
           <p:cNvPr id="101" name="Google Shape;101;p5"/>
           <p:cNvSpPr txBox="1">
             <a:spLocks noGrp="1"/>
@@ -26124,7 +25910,7 @@
 </p:sld>
 </file>
 
-<file path=ppt/slides/slide48.xml><?xml version="1.0" encoding="utf-8"?>
+<file path=ppt/slides/slide47.xml><?xml version="1.0" encoding="utf-8"?>
 <p:sld xmlns:a="http://schemas.openxmlformats.org/drawingml/2006/main" xmlns:r="http://schemas.openxmlformats.org/officeDocument/2006/relationships" xmlns:p="http://schemas.openxmlformats.org/presentationml/2006/main" show="0">
   <p:cSld>
     <p:spTree>
@@ -26247,7 +26033,7 @@
 </p:sld>
 </file>
 
-<file path=ppt/slides/slide49.xml><?xml version="1.0" encoding="utf-8"?>
+<file path=ppt/slides/slide48.xml><?xml version="1.0" encoding="utf-8"?>
 <p:sld xmlns:a="http://schemas.openxmlformats.org/drawingml/2006/main" xmlns:r="http://schemas.openxmlformats.org/officeDocument/2006/relationships" xmlns:p="http://schemas.openxmlformats.org/presentationml/2006/main" show="0">
   <p:cSld>
     <p:spTree>
@@ -26363,6 +26149,119 @@
     <p:extLst>
       <p:ext uri="{BB962C8B-B14F-4D97-AF65-F5344CB8AC3E}">
         <p14:creationId xmlns:p14="http://schemas.microsoft.com/office/powerpoint/2010/main" val="713921142"/>
+      </p:ext>
+    </p:extLst>
+  </p:cSld>
+  <p:clrMapOvr>
+    <a:masterClrMapping/>
+  </p:clrMapOvr>
+</p:sld>
+</file>
+
+<file path=ppt/slides/slide49.xml><?xml version="1.0" encoding="utf-8"?>
+<p:sld xmlns:a="http://schemas.openxmlformats.org/drawingml/2006/main" xmlns:r="http://schemas.openxmlformats.org/officeDocument/2006/relationships" xmlns:p="http://schemas.openxmlformats.org/presentationml/2006/main" show="0">
+  <p:cSld>
+    <p:spTree>
+      <p:nvGrpSpPr>
+        <p:cNvPr id="1" name=""/>
+        <p:cNvGrpSpPr/>
+        <p:nvPr/>
+      </p:nvGrpSpPr>
+      <p:grpSpPr>
+        <a:xfrm>
+          <a:off x="0" y="0"/>
+          <a:ext cx="0" cy="0"/>
+          <a:chOff x="0" y="0"/>
+          <a:chExt cx="0" cy="0"/>
+        </a:xfrm>
+      </p:grpSpPr>
+      <p:sp>
+        <p:nvSpPr>
+          <p:cNvPr id="2" name="Title 1">
+            <a:extLst>
+              <a:ext uri="{FF2B5EF4-FFF2-40B4-BE49-F238E27FC236}">
+                <a16:creationId xmlns:a16="http://schemas.microsoft.com/office/drawing/2014/main" id="{D5568ADA-C1EF-2741-BD8A-A472FF070613}"/>
+              </a:ext>
+            </a:extLst>
+          </p:cNvPr>
+          <p:cNvSpPr>
+            <a:spLocks noGrp="1"/>
+          </p:cNvSpPr>
+          <p:nvPr>
+            <p:ph type="title"/>
+          </p:nvPr>
+        </p:nvSpPr>
+        <p:spPr/>
+        <p:txBody>
+          <a:bodyPr/>
+          <a:lstStyle/>
+          <a:p>
+            <a:r>
+              <a:rPr lang="en-US" dirty="0"/>
+              <a:t>Missing Value Tips</a:t>
+            </a:r>
+          </a:p>
+        </p:txBody>
+      </p:sp>
+      <p:sp>
+        <p:nvSpPr>
+          <p:cNvPr id="3" name="Text Placeholder 2">
+            <a:extLst>
+              <a:ext uri="{FF2B5EF4-FFF2-40B4-BE49-F238E27FC236}">
+                <a16:creationId xmlns:a16="http://schemas.microsoft.com/office/drawing/2014/main" id="{D88AE774-4907-F841-8BD3-E9ECDB6BD8E8}"/>
+              </a:ext>
+            </a:extLst>
+          </p:cNvPr>
+          <p:cNvSpPr>
+            <a:spLocks noGrp="1"/>
+          </p:cNvSpPr>
+          <p:nvPr>
+            <p:ph type="body" idx="1"/>
+          </p:nvPr>
+        </p:nvSpPr>
+        <p:spPr/>
+        <p:txBody>
+          <a:bodyPr/>
+          <a:lstStyle/>
+          <a:p>
+            <a:r>
+              <a:rPr lang="en-US" dirty="0"/>
+              <a:t>Do not remove rows or columns with missing values (unless there is a really really really good reason)</a:t>
+            </a:r>
+          </a:p>
+          <a:p>
+            <a:endParaRPr lang="en-US" dirty="0"/>
+          </a:p>
+          <a:p>
+            <a:r>
+              <a:rPr lang="en-US" dirty="0"/>
+              <a:t>Missingness can be a useful predictor: create a flag even if you impute a value</a:t>
+            </a:r>
+          </a:p>
+          <a:p>
+            <a:endParaRPr lang="en-US" dirty="0"/>
+          </a:p>
+          <a:p>
+            <a:r>
+              <a:rPr lang="en-US" dirty="0"/>
+              <a:t>Data can be missing for different reasons and missingness for each row/column/cell may need to be handled differently</a:t>
+            </a:r>
+          </a:p>
+          <a:p>
+            <a:endParaRPr lang="en-US" dirty="0"/>
+          </a:p>
+          <a:p>
+            <a:r>
+              <a:rPr lang="en-US" dirty="0"/>
+              <a:t>Only use data from the past for imputation</a:t>
+            </a:r>
+          </a:p>
+        </p:txBody>
+      </p:sp>
+    </p:spTree>
+    <p:extLst>
+      <p:ext uri="{BB962C8B-B14F-4D97-AF65-F5344CB8AC3E}">
+        <p14:creationId xmlns:p14="http://schemas.microsoft.com/office/powerpoint/2010/main" val="2222239611"/>
       </p:ext>
     </p:extLst>
   </p:cSld>
@@ -26473,119 +26372,6 @@
 </file>
 
 <file path=ppt/slides/slide50.xml><?xml version="1.0" encoding="utf-8"?>
-<p:sld xmlns:a="http://schemas.openxmlformats.org/drawingml/2006/main" xmlns:r="http://schemas.openxmlformats.org/officeDocument/2006/relationships" xmlns:p="http://schemas.openxmlformats.org/presentationml/2006/main" show="0">
-  <p:cSld>
-    <p:spTree>
-      <p:nvGrpSpPr>
-        <p:cNvPr id="1" name=""/>
-        <p:cNvGrpSpPr/>
-        <p:nvPr/>
-      </p:nvGrpSpPr>
-      <p:grpSpPr>
-        <a:xfrm>
-          <a:off x="0" y="0"/>
-          <a:ext cx="0" cy="0"/>
-          <a:chOff x="0" y="0"/>
-          <a:chExt cx="0" cy="0"/>
-        </a:xfrm>
-      </p:grpSpPr>
-      <p:sp>
-        <p:nvSpPr>
-          <p:cNvPr id="2" name="Title 1">
-            <a:extLst>
-              <a:ext uri="{FF2B5EF4-FFF2-40B4-BE49-F238E27FC236}">
-                <a16:creationId xmlns:a16="http://schemas.microsoft.com/office/drawing/2014/main" id="{D5568ADA-C1EF-2741-BD8A-A472FF070613}"/>
-              </a:ext>
-            </a:extLst>
-          </p:cNvPr>
-          <p:cNvSpPr>
-            <a:spLocks noGrp="1"/>
-          </p:cNvSpPr>
-          <p:nvPr>
-            <p:ph type="title"/>
-          </p:nvPr>
-        </p:nvSpPr>
-        <p:spPr/>
-        <p:txBody>
-          <a:bodyPr/>
-          <a:lstStyle/>
-          <a:p>
-            <a:r>
-              <a:rPr lang="en-US" dirty="0"/>
-              <a:t>Missing Value Tips</a:t>
-            </a:r>
-          </a:p>
-        </p:txBody>
-      </p:sp>
-      <p:sp>
-        <p:nvSpPr>
-          <p:cNvPr id="3" name="Text Placeholder 2">
-            <a:extLst>
-              <a:ext uri="{FF2B5EF4-FFF2-40B4-BE49-F238E27FC236}">
-                <a16:creationId xmlns:a16="http://schemas.microsoft.com/office/drawing/2014/main" id="{D88AE774-4907-F841-8BD3-E9ECDB6BD8E8}"/>
-              </a:ext>
-            </a:extLst>
-          </p:cNvPr>
-          <p:cNvSpPr>
-            <a:spLocks noGrp="1"/>
-          </p:cNvSpPr>
-          <p:nvPr>
-            <p:ph type="body" idx="1"/>
-          </p:nvPr>
-        </p:nvSpPr>
-        <p:spPr/>
-        <p:txBody>
-          <a:bodyPr/>
-          <a:lstStyle/>
-          <a:p>
-            <a:r>
-              <a:rPr lang="en-US" dirty="0"/>
-              <a:t>Do not remove rows or columns with missing values (unless there is a really really really good reason)</a:t>
-            </a:r>
-          </a:p>
-          <a:p>
-            <a:endParaRPr lang="en-US" dirty="0"/>
-          </a:p>
-          <a:p>
-            <a:r>
-              <a:rPr lang="en-US" dirty="0"/>
-              <a:t>Missingness can be a useful predictor: create a flag even if you impute a value</a:t>
-            </a:r>
-          </a:p>
-          <a:p>
-            <a:endParaRPr lang="en-US" dirty="0"/>
-          </a:p>
-          <a:p>
-            <a:r>
-              <a:rPr lang="en-US" dirty="0"/>
-              <a:t>Data can be missing for different reasons and missingness for each row/column/cell may need to be handled differently</a:t>
-            </a:r>
-          </a:p>
-          <a:p>
-            <a:endParaRPr lang="en-US" dirty="0"/>
-          </a:p>
-          <a:p>
-            <a:r>
-              <a:rPr lang="en-US" dirty="0"/>
-              <a:t>Only use data from the past for imputation</a:t>
-            </a:r>
-          </a:p>
-        </p:txBody>
-      </p:sp>
-    </p:spTree>
-    <p:extLst>
-      <p:ext uri="{BB962C8B-B14F-4D97-AF65-F5344CB8AC3E}">
-        <p14:creationId xmlns:p14="http://schemas.microsoft.com/office/powerpoint/2010/main" val="2222239611"/>
-      </p:ext>
-    </p:extLst>
-  </p:cSld>
-  <p:clrMapOvr>
-    <a:masterClrMapping/>
-  </p:clrMapOvr>
-</p:sld>
-</file>
-
-<file path=ppt/slides/slide51.xml><?xml version="1.0" encoding="utf-8"?>
 <p:sld xmlns:a="http://schemas.openxmlformats.org/drawingml/2006/main" xmlns:r="http://schemas.openxmlformats.org/officeDocument/2006/relationships" xmlns:p="http://schemas.openxmlformats.org/presentationml/2006/main" show="0">
   <p:cSld>
     <p:spTree>
@@ -26789,7 +26575,7 @@
 </p:sld>
 </file>
 
-<file path=ppt/slides/slide52.xml><?xml version="1.0" encoding="utf-8"?>
+<file path=ppt/slides/slide51.xml><?xml version="1.0" encoding="utf-8"?>
 <p:sld xmlns:a="http://schemas.openxmlformats.org/drawingml/2006/main" xmlns:r="http://schemas.openxmlformats.org/officeDocument/2006/relationships" xmlns:p="http://schemas.openxmlformats.org/presentationml/2006/main" show="0">
   <p:cSld>
     <p:spTree>
@@ -27380,7 +27166,7 @@
 </p:sld>
 </file>
 
-<file path=ppt/slides/slide53.xml><?xml version="1.0" encoding="utf-8"?>
+<file path=ppt/slides/slide52.xml><?xml version="1.0" encoding="utf-8"?>
 <p:sld xmlns:a="http://schemas.openxmlformats.org/drawingml/2006/main" xmlns:r="http://schemas.openxmlformats.org/officeDocument/2006/relationships" xmlns:p="http://schemas.openxmlformats.org/presentationml/2006/main" show="0">
   <p:cSld>
     <p:spTree>
@@ -27543,7 +27329,7 @@
 </p:sld>
 </file>
 
-<file path=ppt/slides/slide54.xml><?xml version="1.0" encoding="utf-8"?>
+<file path=ppt/slides/slide53.xml><?xml version="1.0" encoding="utf-8"?>
 <p:sld xmlns:a="http://schemas.openxmlformats.org/drawingml/2006/main" xmlns:r="http://schemas.openxmlformats.org/officeDocument/2006/relationships" xmlns:p="http://schemas.openxmlformats.org/presentationml/2006/main" show="0">
   <p:cSld>
     <p:spTree>
@@ -28956,7 +28742,7 @@
 </p:sld>
 </file>
 
-<file path=ppt/slides/slide55.xml><?xml version="1.0" encoding="utf-8"?>
+<file path=ppt/slides/slide54.xml><?xml version="1.0" encoding="utf-8"?>
 <p:sld xmlns:a="http://schemas.openxmlformats.org/drawingml/2006/main" xmlns:r="http://schemas.openxmlformats.org/officeDocument/2006/relationships" xmlns:p="http://schemas.openxmlformats.org/presentationml/2006/main" show="0">
   <p:cSld>
     <p:spTree>
@@ -29777,7 +29563,7 @@
 </p:sld>
 </file>
 
-<file path=ppt/slides/slide56.xml><?xml version="1.0" encoding="utf-8"?>
+<file path=ppt/slides/slide55.xml><?xml version="1.0" encoding="utf-8"?>
 <p:sld xmlns:a="http://schemas.openxmlformats.org/drawingml/2006/main" xmlns:r="http://schemas.openxmlformats.org/officeDocument/2006/relationships" xmlns:p="http://schemas.openxmlformats.org/presentationml/2006/main" show="0">
   <p:cSld>
     <p:spTree>
@@ -29866,7 +29652,7 @@
 </p:sld>
 </file>
 
-<file path=ppt/slides/slide57.xml><?xml version="1.0" encoding="utf-8"?>
+<file path=ppt/slides/slide56.xml><?xml version="1.0" encoding="utf-8"?>
 <p:sld xmlns:a="http://schemas.openxmlformats.org/drawingml/2006/main" xmlns:r="http://schemas.openxmlformats.org/officeDocument/2006/relationships" xmlns:p="http://schemas.openxmlformats.org/presentationml/2006/main">
   <p:cSld>
     <p:spTree>
@@ -29971,7 +29757,7 @@
           <a:p>
             <a:r>
               <a:rPr lang="en-US" dirty="0"/>
-              <a:t>Monday: Update 6 (on Canvas): Updated ML Results</a:t>
+              <a:t>Monday: Update 5 (on Canvas): Updated ML Results</a:t>
             </a:r>
           </a:p>
           <a:p>
